--- a/report/report_figures.pptx
+++ b/report/report_figures.pptx
@@ -5,10 +5,10 @@
     <p:sldMasterId id="2147483648" r:id="rId1"/>
   </p:sldMasterIdLst>
   <p:notesMasterIdLst>
-    <p:notesMasterId r:id="rId7"/>
+    <p:notesMasterId r:id="rId11"/>
   </p:notesMasterIdLst>
   <p:handoutMasterIdLst>
-    <p:handoutMasterId r:id="rId8"/>
+    <p:handoutMasterId r:id="rId12"/>
   </p:handoutMasterIdLst>
   <p:sldIdLst>
     <p:sldId id="422" r:id="rId2"/>
@@ -16,6 +16,10 @@
     <p:sldId id="424" r:id="rId4"/>
     <p:sldId id="423" r:id="rId5"/>
     <p:sldId id="425" r:id="rId6"/>
+    <p:sldId id="427" r:id="rId7"/>
+    <p:sldId id="430" r:id="rId8"/>
+    <p:sldId id="428" r:id="rId9"/>
+    <p:sldId id="429" r:id="rId10"/>
   </p:sldIdLst>
   <p:sldSz cx="9793288" cy="6408738"/>
   <p:notesSz cx="6735763" cy="9866313"/>
@@ -254,7 +258,7 @@
           <a:p>
             <a:fld id="{74959256-2054-4F9D-AB76-9B63877416F3}" type="datetimeFigureOut">
               <a:rPr lang="ko-KR" altLang="en-US" smtClean="0"/>
-              <a:t>2019-10-29</a:t>
+              <a:t>2019-11-05</a:t>
             </a:fld>
             <a:endParaRPr lang="ko-KR" altLang="en-US"/>
           </a:p>
@@ -419,7 +423,7 @@
           <a:p>
             <a:fld id="{C3678A6B-5F59-430F-A0DB-B64309FEEBD6}" type="datetimeFigureOut">
               <a:rPr lang="ko-KR" altLang="en-US" smtClean="0"/>
-              <a:t>2019-10-29</a:t>
+              <a:t>2019-11-05</a:t>
             </a:fld>
             <a:endParaRPr lang="ko-KR" altLang="en-US"/>
           </a:p>
@@ -876,7 +880,7 @@
           <a:p>
             <a:fld id="{61104593-FFB9-46D1-8F07-2D8664242121}" type="datetime1">
               <a:rPr lang="ko-KR" altLang="en-US" smtClean="0"/>
-              <a:t>2019-10-29</a:t>
+              <a:t>2019-11-05</a:t>
             </a:fld>
             <a:endParaRPr lang="ko-KR" altLang="en-US"/>
           </a:p>
@@ -1172,7 +1176,7 @@
           <a:p>
             <a:fld id="{31186F76-B875-4596-A54C-08C67B6E235D}" type="datetime1">
               <a:rPr lang="ko-KR" altLang="en-US" smtClean="0"/>
-              <a:t>2019-10-29</a:t>
+              <a:t>2019-11-05</a:t>
             </a:fld>
             <a:endParaRPr lang="ko-KR" altLang="en-US"/>
           </a:p>
@@ -1343,7 +1347,7 @@
           <a:p>
             <a:fld id="{5F80B4BD-60D0-4FEB-A051-01F7F8ABD80D}" type="datetime1">
               <a:rPr lang="ko-KR" altLang="en-US" smtClean="0"/>
-              <a:t>2019-10-29</a:t>
+              <a:t>2019-11-05</a:t>
             </a:fld>
             <a:endParaRPr lang="ko-KR" altLang="en-US"/>
           </a:p>
@@ -1524,7 +1528,7 @@
           <a:p>
             <a:fld id="{680D8EC0-56A0-46F2-A370-E2AAA3037AB9}" type="datetime1">
               <a:rPr lang="ko-KR" altLang="en-US" smtClean="0"/>
-              <a:t>2019-10-29</a:t>
+              <a:t>2019-11-05</a:t>
             </a:fld>
             <a:endParaRPr lang="ko-KR" altLang="en-US"/>
           </a:p>
@@ -1843,7 +1847,7 @@
           <a:p>
             <a:fld id="{1383DF96-9799-4EF8-8D29-D35C85BCD63A}" type="datetime1">
               <a:rPr lang="ko-KR" altLang="en-US" smtClean="0"/>
-              <a:t>2019-10-29</a:t>
+              <a:t>2019-11-05</a:t>
             </a:fld>
             <a:endParaRPr lang="ko-KR" altLang="en-US"/>
           </a:p>
@@ -2131,7 +2135,7 @@
           <a:p>
             <a:fld id="{809A5942-3147-4CB9-A690-5FF60E2D1F3D}" type="datetime1">
               <a:rPr lang="ko-KR" altLang="en-US" smtClean="0"/>
-              <a:t>2019-10-29</a:t>
+              <a:t>2019-11-05</a:t>
             </a:fld>
             <a:endParaRPr lang="ko-KR" altLang="en-US"/>
           </a:p>
@@ -2553,7 +2557,7 @@
           <a:p>
             <a:fld id="{80A55876-858B-4C13-A328-270308DF5BC1}" type="datetime1">
               <a:rPr lang="ko-KR" altLang="en-US" smtClean="0"/>
-              <a:t>2019-10-29</a:t>
+              <a:t>2019-11-05</a:t>
             </a:fld>
             <a:endParaRPr lang="ko-KR" altLang="en-US"/>
           </a:p>
@@ -2651,7 +2655,7 @@
           <a:p>
             <a:fld id="{BA84DD85-808A-4913-BD1C-395A6E8D0361}" type="datetime1">
               <a:rPr lang="ko-KR" altLang="en-US" smtClean="0"/>
-              <a:t>2019-10-29</a:t>
+              <a:t>2019-11-05</a:t>
             </a:fld>
             <a:endParaRPr lang="ko-KR" altLang="en-US"/>
           </a:p>
@@ -2856,7 +2860,7 @@
           <a:p>
             <a:fld id="{8CF95D46-FBBB-4DA3-9E24-418E323D3CB1}" type="datetime1">
               <a:rPr lang="ko-KR" altLang="en-US" smtClean="0"/>
-              <a:t>2019-10-29</a:t>
+              <a:t>2019-11-05</a:t>
             </a:fld>
             <a:endParaRPr lang="ko-KR" altLang="en-US"/>
           </a:p>
@@ -3134,7 +3138,7 @@
           <a:p>
             <a:fld id="{282870A8-0134-44E3-B118-1F5A3493BB03}" type="datetime1">
               <a:rPr lang="ko-KR" altLang="en-US" smtClean="0"/>
-              <a:t>2019-10-29</a:t>
+              <a:t>2019-11-05</a:t>
             </a:fld>
             <a:endParaRPr lang="ko-KR" altLang="en-US"/>
           </a:p>
@@ -3356,7 +3360,7 @@
           <a:p>
             <a:fld id="{650C0672-8527-40C3-BABC-979037CE216F}" type="datetime1">
               <a:rPr lang="ko-KR" altLang="en-US" smtClean="0"/>
-              <a:t>2019-10-29</a:t>
+              <a:t>2019-11-05</a:t>
             </a:fld>
             <a:endParaRPr lang="ko-KR" altLang="en-US"/>
           </a:p>
@@ -7765,6 +7769,3390 @@
     <p:extLst>
       <p:ext uri="{BB962C8B-B14F-4D97-AF65-F5344CB8AC3E}">
         <p14:creationId xmlns:p14="http://schemas.microsoft.com/office/powerpoint/2010/main" val="3173386995"/>
+      </p:ext>
+    </p:extLst>
+  </p:cSld>
+  <p:clrMapOvr>
+    <a:masterClrMapping/>
+  </p:clrMapOvr>
+  <p:transition spd="slow" advClick="0">
+    <p:push/>
+  </p:transition>
+</p:sld>
+</file>
+
+<file path=ppt/slides/slide6.xml><?xml version="1.0" encoding="utf-8"?>
+<p:sld xmlns:a="http://schemas.openxmlformats.org/drawingml/2006/main" xmlns:r="http://schemas.openxmlformats.org/officeDocument/2006/relationships" xmlns:p="http://schemas.openxmlformats.org/presentationml/2006/main">
+  <p:cSld>
+    <p:spTree>
+      <p:nvGrpSpPr>
+        <p:cNvPr id="1" name=""/>
+        <p:cNvGrpSpPr/>
+        <p:nvPr/>
+      </p:nvGrpSpPr>
+      <p:grpSpPr>
+        <a:xfrm>
+          <a:off x="0" y="0"/>
+          <a:ext cx="0" cy="0"/>
+          <a:chOff x="0" y="0"/>
+          <a:chExt cx="0" cy="0"/>
+        </a:xfrm>
+      </p:grpSpPr>
+      <p:sp>
+        <p:nvSpPr>
+          <p:cNvPr id="2" name="사각형: 둥근 모서리 1">
+            <a:extLst>
+              <a:ext uri="{FF2B5EF4-FFF2-40B4-BE49-F238E27FC236}">
+                <a16:creationId xmlns:a16="http://schemas.microsoft.com/office/drawing/2014/main" id="{B793502A-6150-406A-8097-5B7BE5E11E88}"/>
+              </a:ext>
+            </a:extLst>
+          </p:cNvPr>
+          <p:cNvSpPr/>
+          <p:nvPr/>
+        </p:nvSpPr>
+        <p:spPr>
+          <a:xfrm>
+            <a:off x="216124" y="2844329"/>
+            <a:ext cx="2016224" cy="3024336"/>
+          </a:xfrm>
+          <a:prstGeom prst="roundRect">
+            <a:avLst/>
+          </a:prstGeom>
+          <a:solidFill>
+            <a:schemeClr val="tx1">
+              <a:lumMod val="85000"/>
+              <a:lumOff val="15000"/>
+            </a:schemeClr>
+          </a:solidFill>
+          <a:ln>
+            <a:noFill/>
+          </a:ln>
+        </p:spPr>
+        <p:style>
+          <a:lnRef idx="2">
+            <a:schemeClr val="accent1">
+              <a:shade val="50000"/>
+            </a:schemeClr>
+          </a:lnRef>
+          <a:fillRef idx="1">
+            <a:schemeClr val="accent1"/>
+          </a:fillRef>
+          <a:effectRef idx="0">
+            <a:schemeClr val="accent1"/>
+          </a:effectRef>
+          <a:fontRef idx="minor">
+            <a:schemeClr val="lt1"/>
+          </a:fontRef>
+        </p:style>
+        <p:txBody>
+          <a:bodyPr rtlCol="0" anchor="ctr"/>
+          <a:lstStyle/>
+          <a:p>
+            <a:pPr algn="ctr"/>
+            <a:endParaRPr lang="ko-KR" altLang="en-US"/>
+          </a:p>
+        </p:txBody>
+      </p:sp>
+      <p:sp>
+        <p:nvSpPr>
+          <p:cNvPr id="3" name="사각형: 둥근 모서리 2">
+            <a:extLst>
+              <a:ext uri="{FF2B5EF4-FFF2-40B4-BE49-F238E27FC236}">
+                <a16:creationId xmlns:a16="http://schemas.microsoft.com/office/drawing/2014/main" id="{F54DFD27-E02F-491A-B1F8-01952EE19A7A}"/>
+              </a:ext>
+            </a:extLst>
+          </p:cNvPr>
+          <p:cNvSpPr/>
+          <p:nvPr/>
+        </p:nvSpPr>
+        <p:spPr>
+          <a:xfrm>
+            <a:off x="327547" y="2980962"/>
+            <a:ext cx="1791816" cy="2355525"/>
+          </a:xfrm>
+          <a:prstGeom prst="roundRect">
+            <a:avLst/>
+          </a:prstGeom>
+          <a:solidFill>
+            <a:schemeClr val="bg1"/>
+          </a:solidFill>
+          <a:ln>
+            <a:noFill/>
+          </a:ln>
+        </p:spPr>
+        <p:style>
+          <a:lnRef idx="2">
+            <a:schemeClr val="accent1">
+              <a:shade val="50000"/>
+            </a:schemeClr>
+          </a:lnRef>
+          <a:fillRef idx="1">
+            <a:schemeClr val="accent1"/>
+          </a:fillRef>
+          <a:effectRef idx="0">
+            <a:schemeClr val="accent1"/>
+          </a:effectRef>
+          <a:fontRef idx="minor">
+            <a:schemeClr val="lt1"/>
+          </a:fontRef>
+        </p:style>
+        <p:txBody>
+          <a:bodyPr rtlCol="0" anchor="ctr"/>
+          <a:lstStyle/>
+          <a:p>
+            <a:pPr algn="ctr"/>
+            <a:endParaRPr lang="ko-KR" altLang="en-US"/>
+          </a:p>
+        </p:txBody>
+      </p:sp>
+      <p:sp>
+        <p:nvSpPr>
+          <p:cNvPr id="4" name="타원 3">
+            <a:extLst>
+              <a:ext uri="{FF2B5EF4-FFF2-40B4-BE49-F238E27FC236}">
+                <a16:creationId xmlns:a16="http://schemas.microsoft.com/office/drawing/2014/main" id="{715DF440-A4F0-4F2E-B01C-BF965534B3D1}"/>
+              </a:ext>
+            </a:extLst>
+          </p:cNvPr>
+          <p:cNvSpPr/>
+          <p:nvPr/>
+        </p:nvSpPr>
+        <p:spPr>
+          <a:xfrm>
+            <a:off x="1043044" y="5436617"/>
+            <a:ext cx="360821" cy="331919"/>
+          </a:xfrm>
+          <a:prstGeom prst="ellipse">
+            <a:avLst/>
+          </a:prstGeom>
+          <a:solidFill>
+            <a:schemeClr val="bg1"/>
+          </a:solidFill>
+          <a:ln>
+            <a:noFill/>
+          </a:ln>
+        </p:spPr>
+        <p:style>
+          <a:lnRef idx="2">
+            <a:schemeClr val="accent1">
+              <a:shade val="50000"/>
+            </a:schemeClr>
+          </a:lnRef>
+          <a:fillRef idx="1">
+            <a:schemeClr val="accent1"/>
+          </a:fillRef>
+          <a:effectRef idx="0">
+            <a:schemeClr val="accent1"/>
+          </a:effectRef>
+          <a:fontRef idx="minor">
+            <a:schemeClr val="lt1"/>
+          </a:fontRef>
+        </p:style>
+        <p:txBody>
+          <a:bodyPr rtlCol="0" anchor="ctr"/>
+          <a:lstStyle/>
+          <a:p>
+            <a:pPr algn="ctr"/>
+            <a:endParaRPr lang="ko-KR" altLang="en-US"/>
+          </a:p>
+        </p:txBody>
+      </p:sp>
+      <p:sp>
+        <p:nvSpPr>
+          <p:cNvPr id="5" name="직사각형 4">
+            <a:extLst>
+              <a:ext uri="{FF2B5EF4-FFF2-40B4-BE49-F238E27FC236}">
+                <a16:creationId xmlns:a16="http://schemas.microsoft.com/office/drawing/2014/main" id="{3243534A-0DBC-46CF-BE72-8B121B4B2C2C}"/>
+              </a:ext>
+            </a:extLst>
+          </p:cNvPr>
+          <p:cNvSpPr/>
+          <p:nvPr/>
+        </p:nvSpPr>
+        <p:spPr>
+          <a:xfrm>
+            <a:off x="327389" y="5897930"/>
+            <a:ext cx="1791816" cy="460169"/>
+          </a:xfrm>
+          <a:prstGeom prst="rect">
+            <a:avLst/>
+          </a:prstGeom>
+          <a:noFill/>
+          <a:ln>
+            <a:noFill/>
+          </a:ln>
+        </p:spPr>
+        <p:style>
+          <a:lnRef idx="2">
+            <a:schemeClr val="accent1">
+              <a:shade val="50000"/>
+            </a:schemeClr>
+          </a:lnRef>
+          <a:fillRef idx="1">
+            <a:schemeClr val="accent1"/>
+          </a:fillRef>
+          <a:effectRef idx="0">
+            <a:schemeClr val="accent1"/>
+          </a:effectRef>
+          <a:fontRef idx="minor">
+            <a:schemeClr val="lt1"/>
+          </a:fontRef>
+        </p:style>
+        <p:txBody>
+          <a:bodyPr rtlCol="0" anchor="ctr"/>
+          <a:lstStyle/>
+          <a:p>
+            <a:pPr algn="ctr"/>
+            <a:r>
+              <a:rPr lang="en-US" altLang="ko-KR" sz="1400" b="1" dirty="0">
+                <a:solidFill>
+                  <a:schemeClr val="tx1"/>
+                </a:solidFill>
+              </a:rPr>
+              <a:t>Mobile Client</a:t>
+            </a:r>
+          </a:p>
+        </p:txBody>
+      </p:sp>
+      <p:sp>
+        <p:nvSpPr>
+          <p:cNvPr id="6" name="사각형: 둥근 모서리 5">
+            <a:extLst>
+              <a:ext uri="{FF2B5EF4-FFF2-40B4-BE49-F238E27FC236}">
+                <a16:creationId xmlns:a16="http://schemas.microsoft.com/office/drawing/2014/main" id="{0117AF03-3CE5-4BEC-AA78-49672A0E42BB}"/>
+              </a:ext>
+            </a:extLst>
+          </p:cNvPr>
+          <p:cNvSpPr/>
+          <p:nvPr/>
+        </p:nvSpPr>
+        <p:spPr>
+          <a:xfrm>
+            <a:off x="358048" y="3414181"/>
+            <a:ext cx="1728583" cy="1185146"/>
+          </a:xfrm>
+          <a:prstGeom prst="roundRect">
+            <a:avLst/>
+          </a:prstGeom>
+          <a:solidFill>
+            <a:schemeClr val="bg1">
+              <a:lumMod val="75000"/>
+            </a:schemeClr>
+          </a:solidFill>
+          <a:ln>
+            <a:solidFill>
+              <a:schemeClr val="tx1"/>
+            </a:solidFill>
+          </a:ln>
+        </p:spPr>
+        <p:style>
+          <a:lnRef idx="2">
+            <a:schemeClr val="accent1">
+              <a:shade val="50000"/>
+            </a:schemeClr>
+          </a:lnRef>
+          <a:fillRef idx="1">
+            <a:schemeClr val="accent1"/>
+          </a:fillRef>
+          <a:effectRef idx="0">
+            <a:schemeClr val="accent1"/>
+          </a:effectRef>
+          <a:fontRef idx="minor">
+            <a:schemeClr val="lt1"/>
+          </a:fontRef>
+        </p:style>
+        <p:txBody>
+          <a:bodyPr rtlCol="0" anchor="ctr"/>
+          <a:lstStyle/>
+          <a:p>
+            <a:pPr lvl="0" algn="ctr"/>
+            <a:r>
+              <a:rPr lang="en-US" altLang="ko-KR" sz="1400" b="1" dirty="0">
+                <a:solidFill>
+                  <a:prstClr val="black"/>
+                </a:solidFill>
+              </a:rPr>
+              <a:t>Web Browser</a:t>
+            </a:r>
+          </a:p>
+        </p:txBody>
+      </p:sp>
+      <p:sp>
+        <p:nvSpPr>
+          <p:cNvPr id="7" name="사각형: 둥근 모서리 6">
+            <a:extLst>
+              <a:ext uri="{FF2B5EF4-FFF2-40B4-BE49-F238E27FC236}">
+                <a16:creationId xmlns:a16="http://schemas.microsoft.com/office/drawing/2014/main" id="{F2CABD07-29D2-43B6-A0DF-944BA40666E0}"/>
+              </a:ext>
+            </a:extLst>
+          </p:cNvPr>
+          <p:cNvSpPr/>
+          <p:nvPr/>
+        </p:nvSpPr>
+        <p:spPr>
+          <a:xfrm>
+            <a:off x="3552709" y="108025"/>
+            <a:ext cx="5904656" cy="2943747"/>
+          </a:xfrm>
+          <a:prstGeom prst="roundRect">
+            <a:avLst/>
+          </a:prstGeom>
+          <a:solidFill>
+            <a:schemeClr val="tx1">
+              <a:lumMod val="85000"/>
+              <a:lumOff val="15000"/>
+            </a:schemeClr>
+          </a:solidFill>
+          <a:ln>
+            <a:noFill/>
+          </a:ln>
+        </p:spPr>
+        <p:style>
+          <a:lnRef idx="2">
+            <a:schemeClr val="accent1">
+              <a:shade val="50000"/>
+            </a:schemeClr>
+          </a:lnRef>
+          <a:fillRef idx="1">
+            <a:schemeClr val="accent1"/>
+          </a:fillRef>
+          <a:effectRef idx="0">
+            <a:schemeClr val="accent1"/>
+          </a:effectRef>
+          <a:fontRef idx="minor">
+            <a:schemeClr val="lt1"/>
+          </a:fontRef>
+        </p:style>
+        <p:txBody>
+          <a:bodyPr rtlCol="0" anchor="ctr"/>
+          <a:lstStyle/>
+          <a:p>
+            <a:pPr algn="ctr"/>
+            <a:endParaRPr lang="ko-KR" altLang="en-US"/>
+          </a:p>
+        </p:txBody>
+      </p:sp>
+      <p:sp>
+        <p:nvSpPr>
+          <p:cNvPr id="8" name="사각형: 둥근 모서리 7">
+            <a:extLst>
+              <a:ext uri="{FF2B5EF4-FFF2-40B4-BE49-F238E27FC236}">
+                <a16:creationId xmlns:a16="http://schemas.microsoft.com/office/drawing/2014/main" id="{FB5FDB68-10FD-4C4F-B8FF-8AC252BA9B03}"/>
+              </a:ext>
+            </a:extLst>
+          </p:cNvPr>
+          <p:cNvSpPr/>
+          <p:nvPr/>
+        </p:nvSpPr>
+        <p:spPr>
+          <a:xfrm>
+            <a:off x="3732729" y="283754"/>
+            <a:ext cx="5544616" cy="2592288"/>
+          </a:xfrm>
+          <a:prstGeom prst="roundRect">
+            <a:avLst/>
+          </a:prstGeom>
+          <a:solidFill>
+            <a:schemeClr val="bg1"/>
+          </a:solidFill>
+          <a:ln>
+            <a:noFill/>
+          </a:ln>
+        </p:spPr>
+        <p:style>
+          <a:lnRef idx="2">
+            <a:schemeClr val="accent1">
+              <a:shade val="50000"/>
+            </a:schemeClr>
+          </a:lnRef>
+          <a:fillRef idx="1">
+            <a:schemeClr val="accent1"/>
+          </a:fillRef>
+          <a:effectRef idx="0">
+            <a:schemeClr val="accent1"/>
+          </a:effectRef>
+          <a:fontRef idx="minor">
+            <a:schemeClr val="lt1"/>
+          </a:fontRef>
+        </p:style>
+        <p:txBody>
+          <a:bodyPr rtlCol="0" anchor="ctr"/>
+          <a:lstStyle/>
+          <a:p>
+            <a:pPr algn="ctr"/>
+            <a:endParaRPr lang="ko-KR" altLang="en-US"/>
+          </a:p>
+        </p:txBody>
+      </p:sp>
+      <p:sp>
+        <p:nvSpPr>
+          <p:cNvPr id="9" name="직사각형 8">
+            <a:extLst>
+              <a:ext uri="{FF2B5EF4-FFF2-40B4-BE49-F238E27FC236}">
+                <a16:creationId xmlns:a16="http://schemas.microsoft.com/office/drawing/2014/main" id="{362B1FBF-15EF-4D21-8E16-44165B1CFEF4}"/>
+              </a:ext>
+            </a:extLst>
+          </p:cNvPr>
+          <p:cNvSpPr/>
+          <p:nvPr/>
+        </p:nvSpPr>
+        <p:spPr>
+          <a:xfrm>
+            <a:off x="5609129" y="3051771"/>
+            <a:ext cx="1791816" cy="460169"/>
+          </a:xfrm>
+          <a:prstGeom prst="rect">
+            <a:avLst/>
+          </a:prstGeom>
+          <a:noFill/>
+          <a:ln>
+            <a:noFill/>
+          </a:ln>
+        </p:spPr>
+        <p:style>
+          <a:lnRef idx="2">
+            <a:schemeClr val="accent1">
+              <a:shade val="50000"/>
+            </a:schemeClr>
+          </a:lnRef>
+          <a:fillRef idx="1">
+            <a:schemeClr val="accent1"/>
+          </a:fillRef>
+          <a:effectRef idx="0">
+            <a:schemeClr val="accent1"/>
+          </a:effectRef>
+          <a:fontRef idx="minor">
+            <a:schemeClr val="lt1"/>
+          </a:fontRef>
+        </p:style>
+        <p:txBody>
+          <a:bodyPr rtlCol="0" anchor="ctr"/>
+          <a:lstStyle/>
+          <a:p>
+            <a:pPr algn="ctr"/>
+            <a:r>
+              <a:rPr lang="en-US" altLang="ko-KR" sz="1400" b="1" dirty="0">
+                <a:solidFill>
+                  <a:schemeClr val="tx1"/>
+                </a:solidFill>
+              </a:rPr>
+              <a:t>NEMOSHELL</a:t>
+            </a:r>
+          </a:p>
+        </p:txBody>
+      </p:sp>
+      <p:sp>
+        <p:nvSpPr>
+          <p:cNvPr id="11" name="사각형: 둥근 모서리 10">
+            <a:extLst>
+              <a:ext uri="{FF2B5EF4-FFF2-40B4-BE49-F238E27FC236}">
+                <a16:creationId xmlns:a16="http://schemas.microsoft.com/office/drawing/2014/main" id="{E36BA77B-8915-4088-B423-3C77063C01C3}"/>
+              </a:ext>
+            </a:extLst>
+          </p:cNvPr>
+          <p:cNvSpPr/>
+          <p:nvPr/>
+        </p:nvSpPr>
+        <p:spPr>
+          <a:xfrm>
+            <a:off x="4032352" y="900113"/>
+            <a:ext cx="1728583" cy="1185146"/>
+          </a:xfrm>
+          <a:prstGeom prst="roundRect">
+            <a:avLst/>
+          </a:prstGeom>
+          <a:solidFill>
+            <a:schemeClr val="bg1">
+              <a:lumMod val="75000"/>
+            </a:schemeClr>
+          </a:solidFill>
+          <a:ln>
+            <a:solidFill>
+              <a:schemeClr val="tx1"/>
+            </a:solidFill>
+          </a:ln>
+        </p:spPr>
+        <p:style>
+          <a:lnRef idx="2">
+            <a:schemeClr val="accent1">
+              <a:shade val="50000"/>
+            </a:schemeClr>
+          </a:lnRef>
+          <a:fillRef idx="1">
+            <a:schemeClr val="accent1"/>
+          </a:fillRef>
+          <a:effectRef idx="0">
+            <a:schemeClr val="accent1"/>
+          </a:effectRef>
+          <a:fontRef idx="minor">
+            <a:schemeClr val="lt1"/>
+          </a:fontRef>
+        </p:style>
+        <p:txBody>
+          <a:bodyPr rtlCol="0" anchor="ctr"/>
+          <a:lstStyle/>
+          <a:p>
+            <a:pPr lvl="0" algn="ctr"/>
+            <a:r>
+              <a:rPr lang="en-US" altLang="ko-KR" sz="1400" b="1" dirty="0">
+                <a:solidFill>
+                  <a:prstClr val="black"/>
+                </a:solidFill>
+              </a:rPr>
+              <a:t>Web Browser</a:t>
+            </a:r>
+          </a:p>
+        </p:txBody>
+      </p:sp>
+      <p:sp>
+        <p:nvSpPr>
+          <p:cNvPr id="12" name="사각형: 둥근 모서리 11">
+            <a:extLst>
+              <a:ext uri="{FF2B5EF4-FFF2-40B4-BE49-F238E27FC236}">
+                <a16:creationId xmlns:a16="http://schemas.microsoft.com/office/drawing/2014/main" id="{1F99E6CD-DC10-492D-A696-651116A9751B}"/>
+              </a:ext>
+            </a:extLst>
+          </p:cNvPr>
+          <p:cNvSpPr/>
+          <p:nvPr/>
+        </p:nvSpPr>
+        <p:spPr>
+          <a:xfrm>
+            <a:off x="6728977" y="405871"/>
+            <a:ext cx="1343936" cy="720080"/>
+          </a:xfrm>
+          <a:prstGeom prst="roundRect">
+            <a:avLst/>
+          </a:prstGeom>
+          <a:solidFill>
+            <a:schemeClr val="accent2">
+              <a:lumMod val="40000"/>
+              <a:lumOff val="60000"/>
+            </a:schemeClr>
+          </a:solidFill>
+          <a:ln>
+            <a:solidFill>
+              <a:schemeClr val="tx1"/>
+            </a:solidFill>
+          </a:ln>
+        </p:spPr>
+        <p:style>
+          <a:lnRef idx="2">
+            <a:schemeClr val="accent1">
+              <a:shade val="50000"/>
+            </a:schemeClr>
+          </a:lnRef>
+          <a:fillRef idx="1">
+            <a:schemeClr val="accent1"/>
+          </a:fillRef>
+          <a:effectRef idx="0">
+            <a:schemeClr val="accent1"/>
+          </a:effectRef>
+          <a:fontRef idx="minor">
+            <a:schemeClr val="lt1"/>
+          </a:fontRef>
+        </p:style>
+        <p:txBody>
+          <a:bodyPr rtlCol="0" anchor="ctr"/>
+          <a:lstStyle/>
+          <a:p>
+            <a:pPr lvl="0" algn="ctr"/>
+            <a:r>
+              <a:rPr lang="en-US" altLang="ko-KR" sz="1400" b="1" dirty="0">
+                <a:solidFill>
+                  <a:prstClr val="black"/>
+                </a:solidFill>
+              </a:rPr>
+              <a:t>Application</a:t>
+            </a:r>
+          </a:p>
+        </p:txBody>
+      </p:sp>
+      <p:sp>
+        <p:nvSpPr>
+          <p:cNvPr id="13" name="사각형: 둥근 모서리 12">
+            <a:extLst>
+              <a:ext uri="{FF2B5EF4-FFF2-40B4-BE49-F238E27FC236}">
+                <a16:creationId xmlns:a16="http://schemas.microsoft.com/office/drawing/2014/main" id="{B37D023D-17E5-4A8C-BB82-BBD4C9E95536}"/>
+              </a:ext>
+            </a:extLst>
+          </p:cNvPr>
+          <p:cNvSpPr/>
+          <p:nvPr/>
+        </p:nvSpPr>
+        <p:spPr>
+          <a:xfrm>
+            <a:off x="7685016" y="1240591"/>
+            <a:ext cx="1343936" cy="720080"/>
+          </a:xfrm>
+          <a:prstGeom prst="roundRect">
+            <a:avLst/>
+          </a:prstGeom>
+          <a:solidFill>
+            <a:schemeClr val="accent3">
+              <a:lumMod val="60000"/>
+              <a:lumOff val="40000"/>
+            </a:schemeClr>
+          </a:solidFill>
+          <a:ln>
+            <a:solidFill>
+              <a:schemeClr val="tx1"/>
+            </a:solidFill>
+          </a:ln>
+        </p:spPr>
+        <p:style>
+          <a:lnRef idx="2">
+            <a:schemeClr val="accent1">
+              <a:shade val="50000"/>
+            </a:schemeClr>
+          </a:lnRef>
+          <a:fillRef idx="1">
+            <a:schemeClr val="accent1"/>
+          </a:fillRef>
+          <a:effectRef idx="0">
+            <a:schemeClr val="accent1"/>
+          </a:effectRef>
+          <a:fontRef idx="minor">
+            <a:schemeClr val="lt1"/>
+          </a:fontRef>
+        </p:style>
+        <p:txBody>
+          <a:bodyPr rtlCol="0" anchor="ctr"/>
+          <a:lstStyle/>
+          <a:p>
+            <a:pPr lvl="0" algn="ctr"/>
+            <a:r>
+              <a:rPr lang="en-US" altLang="ko-KR" sz="1400" b="1" dirty="0">
+                <a:solidFill>
+                  <a:prstClr val="black"/>
+                </a:solidFill>
+              </a:rPr>
+              <a:t>Application</a:t>
+            </a:r>
+          </a:p>
+        </p:txBody>
+      </p:sp>
+      <p:sp>
+        <p:nvSpPr>
+          <p:cNvPr id="14" name="사각형: 둥근 모서리 13">
+            <a:extLst>
+              <a:ext uri="{FF2B5EF4-FFF2-40B4-BE49-F238E27FC236}">
+                <a16:creationId xmlns:a16="http://schemas.microsoft.com/office/drawing/2014/main" id="{3F0C5CA5-3187-4575-BDD8-7829C9FAA2FA}"/>
+              </a:ext>
+            </a:extLst>
+          </p:cNvPr>
+          <p:cNvSpPr/>
+          <p:nvPr/>
+        </p:nvSpPr>
+        <p:spPr>
+          <a:xfrm>
+            <a:off x="6847172" y="2076470"/>
+            <a:ext cx="1343936" cy="720080"/>
+          </a:xfrm>
+          <a:prstGeom prst="roundRect">
+            <a:avLst/>
+          </a:prstGeom>
+          <a:solidFill>
+            <a:schemeClr val="accent1">
+              <a:lumMod val="40000"/>
+              <a:lumOff val="60000"/>
+            </a:schemeClr>
+          </a:solidFill>
+          <a:ln>
+            <a:solidFill>
+              <a:schemeClr val="tx1"/>
+            </a:solidFill>
+          </a:ln>
+        </p:spPr>
+        <p:style>
+          <a:lnRef idx="2">
+            <a:schemeClr val="accent1">
+              <a:shade val="50000"/>
+            </a:schemeClr>
+          </a:lnRef>
+          <a:fillRef idx="1">
+            <a:schemeClr val="accent1"/>
+          </a:fillRef>
+          <a:effectRef idx="0">
+            <a:schemeClr val="accent1"/>
+          </a:effectRef>
+          <a:fontRef idx="minor">
+            <a:schemeClr val="lt1"/>
+          </a:fontRef>
+        </p:style>
+        <p:txBody>
+          <a:bodyPr rtlCol="0" anchor="ctr"/>
+          <a:lstStyle/>
+          <a:p>
+            <a:pPr lvl="0" algn="ctr"/>
+            <a:r>
+              <a:rPr lang="en-US" altLang="ko-KR" sz="1400" b="1" dirty="0">
+                <a:solidFill>
+                  <a:prstClr val="black"/>
+                </a:solidFill>
+              </a:rPr>
+              <a:t>Application</a:t>
+            </a:r>
+          </a:p>
+        </p:txBody>
+      </p:sp>
+      <p:sp>
+        <p:nvSpPr>
+          <p:cNvPr id="15" name="사각형: 둥근 모서리 14">
+            <a:extLst>
+              <a:ext uri="{FF2B5EF4-FFF2-40B4-BE49-F238E27FC236}">
+                <a16:creationId xmlns:a16="http://schemas.microsoft.com/office/drawing/2014/main" id="{92E8F841-A0C4-4227-81A5-E1C585F5C1B9}"/>
+              </a:ext>
+            </a:extLst>
+          </p:cNvPr>
+          <p:cNvSpPr/>
+          <p:nvPr/>
+        </p:nvSpPr>
+        <p:spPr>
+          <a:xfrm>
+            <a:off x="3852302" y="3755264"/>
+            <a:ext cx="1436359" cy="1995133"/>
+          </a:xfrm>
+          <a:prstGeom prst="roundRect">
+            <a:avLst/>
+          </a:prstGeom>
+          <a:solidFill>
+            <a:schemeClr val="tx1">
+              <a:lumMod val="85000"/>
+              <a:lumOff val="15000"/>
+            </a:schemeClr>
+          </a:solidFill>
+          <a:ln>
+            <a:noFill/>
+          </a:ln>
+        </p:spPr>
+        <p:style>
+          <a:lnRef idx="2">
+            <a:schemeClr val="accent1">
+              <a:shade val="50000"/>
+            </a:schemeClr>
+          </a:lnRef>
+          <a:fillRef idx="1">
+            <a:schemeClr val="accent1"/>
+          </a:fillRef>
+          <a:effectRef idx="0">
+            <a:schemeClr val="accent1"/>
+          </a:effectRef>
+          <a:fontRef idx="minor">
+            <a:schemeClr val="lt1"/>
+          </a:fontRef>
+        </p:style>
+        <p:txBody>
+          <a:bodyPr rtlCol="0" anchor="ctr"/>
+          <a:lstStyle/>
+          <a:p>
+            <a:pPr algn="ctr"/>
+            <a:endParaRPr lang="ko-KR" altLang="en-US"/>
+          </a:p>
+        </p:txBody>
+      </p:sp>
+      <p:sp>
+        <p:nvSpPr>
+          <p:cNvPr id="16" name="직사각형 15">
+            <a:extLst>
+              <a:ext uri="{FF2B5EF4-FFF2-40B4-BE49-F238E27FC236}">
+                <a16:creationId xmlns:a16="http://schemas.microsoft.com/office/drawing/2014/main" id="{1551B2B5-2671-46A0-A1B7-0C0B496FD59F}"/>
+              </a:ext>
+            </a:extLst>
+          </p:cNvPr>
+          <p:cNvSpPr/>
+          <p:nvPr/>
+        </p:nvSpPr>
+        <p:spPr>
+          <a:xfrm>
+            <a:off x="358048" y="4599327"/>
+            <a:ext cx="1791816" cy="460169"/>
+          </a:xfrm>
+          <a:prstGeom prst="rect">
+            <a:avLst/>
+          </a:prstGeom>
+          <a:noFill/>
+          <a:ln>
+            <a:noFill/>
+          </a:ln>
+        </p:spPr>
+        <p:style>
+          <a:lnRef idx="2">
+            <a:schemeClr val="accent1">
+              <a:shade val="50000"/>
+            </a:schemeClr>
+          </a:lnRef>
+          <a:fillRef idx="1">
+            <a:schemeClr val="accent1"/>
+          </a:fillRef>
+          <a:effectRef idx="0">
+            <a:schemeClr val="accent1"/>
+          </a:effectRef>
+          <a:fontRef idx="minor">
+            <a:schemeClr val="lt1"/>
+          </a:fontRef>
+        </p:style>
+        <p:txBody>
+          <a:bodyPr rtlCol="0" anchor="ctr"/>
+          <a:lstStyle/>
+          <a:p>
+            <a:pPr algn="ctr"/>
+            <a:r>
+              <a:rPr lang="en-US" altLang="ko-KR" sz="1400" b="1" dirty="0">
+                <a:solidFill>
+                  <a:schemeClr val="tx1"/>
+                </a:solidFill>
+              </a:rPr>
+              <a:t>Android Application</a:t>
+            </a:r>
+          </a:p>
+        </p:txBody>
+      </p:sp>
+      <p:sp>
+        <p:nvSpPr>
+          <p:cNvPr id="17" name="사각형: 둥근 모서리 16">
+            <a:extLst>
+              <a:ext uri="{FF2B5EF4-FFF2-40B4-BE49-F238E27FC236}">
+                <a16:creationId xmlns:a16="http://schemas.microsoft.com/office/drawing/2014/main" id="{99DA03BA-3F01-4DDE-A5C8-CC425E7E2B00}"/>
+              </a:ext>
+            </a:extLst>
+          </p:cNvPr>
+          <p:cNvSpPr/>
+          <p:nvPr/>
+        </p:nvSpPr>
+        <p:spPr>
+          <a:xfrm>
+            <a:off x="581988" y="3646714"/>
+            <a:ext cx="1343936" cy="720080"/>
+          </a:xfrm>
+          <a:prstGeom prst="roundRect">
+            <a:avLst/>
+          </a:prstGeom>
+          <a:solidFill>
+            <a:schemeClr val="accent2">
+              <a:lumMod val="40000"/>
+              <a:lumOff val="60000"/>
+            </a:schemeClr>
+          </a:solidFill>
+          <a:ln>
+            <a:solidFill>
+              <a:schemeClr val="tx1"/>
+            </a:solidFill>
+          </a:ln>
+        </p:spPr>
+        <p:style>
+          <a:lnRef idx="2">
+            <a:schemeClr val="accent1">
+              <a:shade val="50000"/>
+            </a:schemeClr>
+          </a:lnRef>
+          <a:fillRef idx="1">
+            <a:schemeClr val="accent1"/>
+          </a:fillRef>
+          <a:effectRef idx="0">
+            <a:schemeClr val="accent1"/>
+          </a:effectRef>
+          <a:fontRef idx="minor">
+            <a:schemeClr val="lt1"/>
+          </a:fontRef>
+        </p:style>
+        <p:txBody>
+          <a:bodyPr rtlCol="0" anchor="ctr"/>
+          <a:lstStyle/>
+          <a:p>
+            <a:pPr lvl="0" algn="ctr"/>
+            <a:r>
+              <a:rPr lang="en-US" altLang="ko-KR" sz="1400" b="1" dirty="0">
+                <a:solidFill>
+                  <a:prstClr val="black"/>
+                </a:solidFill>
+              </a:rPr>
+              <a:t>Application</a:t>
+            </a:r>
+          </a:p>
+        </p:txBody>
+      </p:sp>
+      <p:sp>
+        <p:nvSpPr>
+          <p:cNvPr id="18" name="직사각형 17">
+            <a:extLst>
+              <a:ext uri="{FF2B5EF4-FFF2-40B4-BE49-F238E27FC236}">
+                <a16:creationId xmlns:a16="http://schemas.microsoft.com/office/drawing/2014/main" id="{405195AB-3C7A-4DCA-B7FA-18F98694C8F1}"/>
+              </a:ext>
+            </a:extLst>
+          </p:cNvPr>
+          <p:cNvSpPr/>
+          <p:nvPr/>
+        </p:nvSpPr>
+        <p:spPr>
+          <a:xfrm>
+            <a:off x="3674573" y="5697672"/>
+            <a:ext cx="1791816" cy="460169"/>
+          </a:xfrm>
+          <a:prstGeom prst="rect">
+            <a:avLst/>
+          </a:prstGeom>
+          <a:noFill/>
+          <a:ln>
+            <a:noFill/>
+          </a:ln>
+        </p:spPr>
+        <p:style>
+          <a:lnRef idx="2">
+            <a:schemeClr val="accent1">
+              <a:shade val="50000"/>
+            </a:schemeClr>
+          </a:lnRef>
+          <a:fillRef idx="1">
+            <a:schemeClr val="accent1"/>
+          </a:fillRef>
+          <a:effectRef idx="0">
+            <a:schemeClr val="accent1"/>
+          </a:effectRef>
+          <a:fontRef idx="minor">
+            <a:schemeClr val="lt1"/>
+          </a:fontRef>
+        </p:style>
+        <p:txBody>
+          <a:bodyPr rtlCol="0" anchor="ctr"/>
+          <a:lstStyle/>
+          <a:p>
+            <a:pPr algn="ctr"/>
+            <a:r>
+              <a:rPr lang="en-US" altLang="ko-KR" sz="1400" b="1" dirty="0">
+                <a:solidFill>
+                  <a:schemeClr val="tx1"/>
+                </a:solidFill>
+              </a:rPr>
+              <a:t>WebRTC Server</a:t>
+            </a:r>
+          </a:p>
+        </p:txBody>
+      </p:sp>
+      <p:sp>
+        <p:nvSpPr>
+          <p:cNvPr id="19" name="화살표: 아래쪽 18">
+            <a:extLst>
+              <a:ext uri="{FF2B5EF4-FFF2-40B4-BE49-F238E27FC236}">
+                <a16:creationId xmlns:a16="http://schemas.microsoft.com/office/drawing/2014/main" id="{139FF1A5-6234-4E61-9D79-DB62C5654A2B}"/>
+              </a:ext>
+            </a:extLst>
+          </p:cNvPr>
+          <p:cNvSpPr/>
+          <p:nvPr/>
+        </p:nvSpPr>
+        <p:spPr>
+          <a:xfrm>
+            <a:off x="4409803" y="2196257"/>
+            <a:ext cx="504056" cy="1450457"/>
+          </a:xfrm>
+          <a:prstGeom prst="downArrow">
+            <a:avLst/>
+          </a:prstGeom>
+        </p:spPr>
+        <p:style>
+          <a:lnRef idx="2">
+            <a:schemeClr val="accent1">
+              <a:shade val="50000"/>
+            </a:schemeClr>
+          </a:lnRef>
+          <a:fillRef idx="1">
+            <a:schemeClr val="accent1"/>
+          </a:fillRef>
+          <a:effectRef idx="0">
+            <a:schemeClr val="accent1"/>
+          </a:effectRef>
+          <a:fontRef idx="minor">
+            <a:schemeClr val="lt1"/>
+          </a:fontRef>
+        </p:style>
+        <p:txBody>
+          <a:bodyPr rtlCol="0" anchor="ctr"/>
+          <a:lstStyle/>
+          <a:p>
+            <a:pPr algn="ctr"/>
+            <a:endParaRPr lang="ko-KR" altLang="en-US"/>
+          </a:p>
+        </p:txBody>
+      </p:sp>
+      <p:sp>
+        <p:nvSpPr>
+          <p:cNvPr id="20" name="화살표: 아래쪽 19">
+            <a:extLst>
+              <a:ext uri="{FF2B5EF4-FFF2-40B4-BE49-F238E27FC236}">
+                <a16:creationId xmlns:a16="http://schemas.microsoft.com/office/drawing/2014/main" id="{9D7EB676-91F0-4C1D-88FD-9B248C327676}"/>
+              </a:ext>
+            </a:extLst>
+          </p:cNvPr>
+          <p:cNvSpPr/>
+          <p:nvPr/>
+        </p:nvSpPr>
+        <p:spPr>
+          <a:xfrm rot="5400000">
+            <a:off x="2616411" y="3275389"/>
+            <a:ext cx="504056" cy="1728582"/>
+          </a:xfrm>
+          <a:prstGeom prst="downArrow">
+            <a:avLst/>
+          </a:prstGeom>
+        </p:spPr>
+        <p:style>
+          <a:lnRef idx="2">
+            <a:schemeClr val="accent1">
+              <a:shade val="50000"/>
+            </a:schemeClr>
+          </a:lnRef>
+          <a:fillRef idx="1">
+            <a:schemeClr val="accent1"/>
+          </a:fillRef>
+          <a:effectRef idx="0">
+            <a:schemeClr val="accent1"/>
+          </a:effectRef>
+          <a:fontRef idx="minor">
+            <a:schemeClr val="lt1"/>
+          </a:fontRef>
+        </p:style>
+        <p:txBody>
+          <a:bodyPr rtlCol="0" anchor="ctr"/>
+          <a:lstStyle/>
+          <a:p>
+            <a:pPr algn="ctr"/>
+            <a:endParaRPr lang="ko-KR" altLang="en-US"/>
+          </a:p>
+        </p:txBody>
+      </p:sp>
+      <p:sp>
+        <p:nvSpPr>
+          <p:cNvPr id="21" name="화살표: 아래쪽 20">
+            <a:extLst>
+              <a:ext uri="{FF2B5EF4-FFF2-40B4-BE49-F238E27FC236}">
+                <a16:creationId xmlns:a16="http://schemas.microsoft.com/office/drawing/2014/main" id="{AD8887BE-901F-4D28-9352-7A02F7C9C0AE}"/>
+              </a:ext>
+            </a:extLst>
+          </p:cNvPr>
+          <p:cNvSpPr/>
+          <p:nvPr/>
+        </p:nvSpPr>
+        <p:spPr>
+          <a:xfrm rot="4463798">
+            <a:off x="5932015" y="697888"/>
+            <a:ext cx="504056" cy="739767"/>
+          </a:xfrm>
+          <a:prstGeom prst="downArrow">
+            <a:avLst/>
+          </a:prstGeom>
+        </p:spPr>
+        <p:style>
+          <a:lnRef idx="2">
+            <a:schemeClr val="accent1">
+              <a:shade val="50000"/>
+            </a:schemeClr>
+          </a:lnRef>
+          <a:fillRef idx="1">
+            <a:schemeClr val="accent1"/>
+          </a:fillRef>
+          <a:effectRef idx="0">
+            <a:schemeClr val="accent1"/>
+          </a:effectRef>
+          <a:fontRef idx="minor">
+            <a:schemeClr val="lt1"/>
+          </a:fontRef>
+        </p:style>
+        <p:txBody>
+          <a:bodyPr rtlCol="0" anchor="ctr"/>
+          <a:lstStyle/>
+          <a:p>
+            <a:pPr algn="ctr"/>
+            <a:endParaRPr lang="ko-KR" altLang="en-US"/>
+          </a:p>
+        </p:txBody>
+      </p:sp>
+      <p:sp>
+        <p:nvSpPr>
+          <p:cNvPr id="22" name="사각형: 둥근 모서리 21">
+            <a:extLst>
+              <a:ext uri="{FF2B5EF4-FFF2-40B4-BE49-F238E27FC236}">
+                <a16:creationId xmlns:a16="http://schemas.microsoft.com/office/drawing/2014/main" id="{F51722C1-A732-4CED-BB82-F904AEEDDB8A}"/>
+              </a:ext>
+            </a:extLst>
+          </p:cNvPr>
+          <p:cNvSpPr/>
+          <p:nvPr/>
+        </p:nvSpPr>
+        <p:spPr>
+          <a:xfrm>
+            <a:off x="4011600" y="3897567"/>
+            <a:ext cx="1117762" cy="460169"/>
+          </a:xfrm>
+          <a:prstGeom prst="roundRect">
+            <a:avLst/>
+          </a:prstGeom>
+          <a:solidFill>
+            <a:schemeClr val="bg1">
+              <a:lumMod val="75000"/>
+            </a:schemeClr>
+          </a:solidFill>
+          <a:ln>
+            <a:solidFill>
+              <a:schemeClr val="tx1"/>
+            </a:solidFill>
+          </a:ln>
+        </p:spPr>
+        <p:style>
+          <a:lnRef idx="2">
+            <a:schemeClr val="accent1">
+              <a:shade val="50000"/>
+            </a:schemeClr>
+          </a:lnRef>
+          <a:fillRef idx="1">
+            <a:schemeClr val="accent1"/>
+          </a:fillRef>
+          <a:effectRef idx="0">
+            <a:schemeClr val="accent1"/>
+          </a:effectRef>
+          <a:fontRef idx="minor">
+            <a:schemeClr val="lt1"/>
+          </a:fontRef>
+        </p:style>
+        <p:txBody>
+          <a:bodyPr rtlCol="0" anchor="ctr"/>
+          <a:lstStyle/>
+          <a:p>
+            <a:pPr lvl="0" algn="ctr"/>
+            <a:r>
+              <a:rPr lang="en-US" altLang="ko-KR" sz="1400" b="1" dirty="0">
+                <a:solidFill>
+                  <a:prstClr val="black"/>
+                </a:solidFill>
+              </a:rPr>
+              <a:t>HTTPS Server</a:t>
+            </a:r>
+          </a:p>
+        </p:txBody>
+      </p:sp>
+      <p:sp>
+        <p:nvSpPr>
+          <p:cNvPr id="24" name="사각형: 둥근 모서리 23">
+            <a:extLst>
+              <a:ext uri="{FF2B5EF4-FFF2-40B4-BE49-F238E27FC236}">
+                <a16:creationId xmlns:a16="http://schemas.microsoft.com/office/drawing/2014/main" id="{A76ABE8A-3FEA-4FF7-8A69-0A4B0DC1DCDB}"/>
+              </a:ext>
+            </a:extLst>
+          </p:cNvPr>
+          <p:cNvSpPr/>
+          <p:nvPr/>
+        </p:nvSpPr>
+        <p:spPr>
+          <a:xfrm>
+            <a:off x="4032353" y="5272062"/>
+            <a:ext cx="1097010" cy="221759"/>
+          </a:xfrm>
+          <a:prstGeom prst="roundRect">
+            <a:avLst/>
+          </a:prstGeom>
+          <a:solidFill>
+            <a:schemeClr val="bg1"/>
+          </a:solidFill>
+          <a:ln>
+            <a:noFill/>
+          </a:ln>
+        </p:spPr>
+        <p:style>
+          <a:lnRef idx="2">
+            <a:schemeClr val="accent1">
+              <a:shade val="50000"/>
+            </a:schemeClr>
+          </a:lnRef>
+          <a:fillRef idx="1">
+            <a:schemeClr val="accent1"/>
+          </a:fillRef>
+          <a:effectRef idx="0">
+            <a:schemeClr val="accent1"/>
+          </a:effectRef>
+          <a:fontRef idx="minor">
+            <a:schemeClr val="lt1"/>
+          </a:fontRef>
+        </p:style>
+        <p:txBody>
+          <a:bodyPr rtlCol="0" anchor="ctr"/>
+          <a:lstStyle/>
+          <a:p>
+            <a:pPr algn="ctr"/>
+            <a:endParaRPr lang="ko-KR" altLang="en-US"/>
+          </a:p>
+        </p:txBody>
+      </p:sp>
+      <p:sp>
+        <p:nvSpPr>
+          <p:cNvPr id="25" name="사각형: 둥근 모서리 24">
+            <a:extLst>
+              <a:ext uri="{FF2B5EF4-FFF2-40B4-BE49-F238E27FC236}">
+                <a16:creationId xmlns:a16="http://schemas.microsoft.com/office/drawing/2014/main" id="{6E2532B1-99EC-4AC4-ADAB-F5D911DB6368}"/>
+              </a:ext>
+            </a:extLst>
+          </p:cNvPr>
+          <p:cNvSpPr/>
+          <p:nvPr/>
+        </p:nvSpPr>
+        <p:spPr>
+          <a:xfrm>
+            <a:off x="4032353" y="5000639"/>
+            <a:ext cx="1097010" cy="221759"/>
+          </a:xfrm>
+          <a:prstGeom prst="roundRect">
+            <a:avLst/>
+          </a:prstGeom>
+          <a:solidFill>
+            <a:schemeClr val="bg1"/>
+          </a:solidFill>
+          <a:ln>
+            <a:noFill/>
+          </a:ln>
+        </p:spPr>
+        <p:style>
+          <a:lnRef idx="2">
+            <a:schemeClr val="accent1">
+              <a:shade val="50000"/>
+            </a:schemeClr>
+          </a:lnRef>
+          <a:fillRef idx="1">
+            <a:schemeClr val="accent1"/>
+          </a:fillRef>
+          <a:effectRef idx="0">
+            <a:schemeClr val="accent1"/>
+          </a:effectRef>
+          <a:fontRef idx="minor">
+            <a:schemeClr val="lt1"/>
+          </a:fontRef>
+        </p:style>
+        <p:txBody>
+          <a:bodyPr rtlCol="0" anchor="ctr"/>
+          <a:lstStyle/>
+          <a:p>
+            <a:pPr algn="ctr"/>
+            <a:endParaRPr lang="ko-KR" altLang="en-US"/>
+          </a:p>
+        </p:txBody>
+      </p:sp>
+      <p:sp>
+        <p:nvSpPr>
+          <p:cNvPr id="26" name="사각형: 둥근 모서리 25">
+            <a:extLst>
+              <a:ext uri="{FF2B5EF4-FFF2-40B4-BE49-F238E27FC236}">
+                <a16:creationId xmlns:a16="http://schemas.microsoft.com/office/drawing/2014/main" id="{2815D31F-C5B4-46B8-BC11-05CB61FF0867}"/>
+              </a:ext>
+            </a:extLst>
+          </p:cNvPr>
+          <p:cNvSpPr/>
+          <p:nvPr/>
+        </p:nvSpPr>
+        <p:spPr>
+          <a:xfrm>
+            <a:off x="4032353" y="4725605"/>
+            <a:ext cx="1097010" cy="221759"/>
+          </a:xfrm>
+          <a:prstGeom prst="roundRect">
+            <a:avLst/>
+          </a:prstGeom>
+          <a:solidFill>
+            <a:schemeClr val="bg1"/>
+          </a:solidFill>
+          <a:ln>
+            <a:noFill/>
+          </a:ln>
+        </p:spPr>
+        <p:style>
+          <a:lnRef idx="2">
+            <a:schemeClr val="accent1">
+              <a:shade val="50000"/>
+            </a:schemeClr>
+          </a:lnRef>
+          <a:fillRef idx="1">
+            <a:schemeClr val="accent1"/>
+          </a:fillRef>
+          <a:effectRef idx="0">
+            <a:schemeClr val="accent1"/>
+          </a:effectRef>
+          <a:fontRef idx="minor">
+            <a:schemeClr val="lt1"/>
+          </a:fontRef>
+        </p:style>
+        <p:txBody>
+          <a:bodyPr rtlCol="0" anchor="ctr"/>
+          <a:lstStyle/>
+          <a:p>
+            <a:pPr algn="ctr"/>
+            <a:endParaRPr lang="ko-KR" altLang="en-US"/>
+          </a:p>
+        </p:txBody>
+      </p:sp>
+    </p:spTree>
+    <p:extLst>
+      <p:ext uri="{BB962C8B-B14F-4D97-AF65-F5344CB8AC3E}">
+        <p14:creationId xmlns:p14="http://schemas.microsoft.com/office/powerpoint/2010/main" val="3045131393"/>
+      </p:ext>
+    </p:extLst>
+  </p:cSld>
+  <p:clrMapOvr>
+    <a:masterClrMapping/>
+  </p:clrMapOvr>
+  <p:transition spd="slow" advClick="0">
+    <p:push/>
+  </p:transition>
+</p:sld>
+</file>
+
+<file path=ppt/slides/slide7.xml><?xml version="1.0" encoding="utf-8"?>
+<p:sld xmlns:a="http://schemas.openxmlformats.org/drawingml/2006/main" xmlns:r="http://schemas.openxmlformats.org/officeDocument/2006/relationships" xmlns:p="http://schemas.openxmlformats.org/presentationml/2006/main">
+  <p:cSld>
+    <p:spTree>
+      <p:nvGrpSpPr>
+        <p:cNvPr id="1" name=""/>
+        <p:cNvGrpSpPr/>
+        <p:nvPr/>
+      </p:nvGrpSpPr>
+      <p:grpSpPr>
+        <a:xfrm>
+          <a:off x="0" y="0"/>
+          <a:ext cx="0" cy="0"/>
+          <a:chOff x="0" y="0"/>
+          <a:chExt cx="0" cy="0"/>
+        </a:xfrm>
+      </p:grpSpPr>
+      <p:sp>
+        <p:nvSpPr>
+          <p:cNvPr id="5" name="직사각형 4">
+            <a:extLst>
+              <a:ext uri="{FF2B5EF4-FFF2-40B4-BE49-F238E27FC236}">
+                <a16:creationId xmlns:a16="http://schemas.microsoft.com/office/drawing/2014/main" id="{3243534A-0DBC-46CF-BE72-8B121B4B2C2C}"/>
+              </a:ext>
+            </a:extLst>
+          </p:cNvPr>
+          <p:cNvSpPr/>
+          <p:nvPr/>
+        </p:nvSpPr>
+        <p:spPr>
+          <a:xfrm>
+            <a:off x="3287313" y="6565541"/>
+            <a:ext cx="1791816" cy="460169"/>
+          </a:xfrm>
+          <a:prstGeom prst="rect">
+            <a:avLst/>
+          </a:prstGeom>
+          <a:noFill/>
+          <a:ln>
+            <a:noFill/>
+          </a:ln>
+        </p:spPr>
+        <p:style>
+          <a:lnRef idx="2">
+            <a:schemeClr val="accent1">
+              <a:shade val="50000"/>
+            </a:schemeClr>
+          </a:lnRef>
+          <a:fillRef idx="1">
+            <a:schemeClr val="accent1"/>
+          </a:fillRef>
+          <a:effectRef idx="0">
+            <a:schemeClr val="accent1"/>
+          </a:effectRef>
+          <a:fontRef idx="minor">
+            <a:schemeClr val="lt1"/>
+          </a:fontRef>
+        </p:style>
+        <p:txBody>
+          <a:bodyPr rtlCol="0" anchor="ctr"/>
+          <a:lstStyle/>
+          <a:p>
+            <a:pPr algn="ctr"/>
+            <a:r>
+              <a:rPr lang="en-US" altLang="ko-KR" sz="1400" b="1" dirty="0">
+                <a:solidFill>
+                  <a:schemeClr val="tx1"/>
+                </a:solidFill>
+              </a:rPr>
+              <a:t>Mobile Client</a:t>
+            </a:r>
+          </a:p>
+        </p:txBody>
+      </p:sp>
+      <p:sp>
+        <p:nvSpPr>
+          <p:cNvPr id="7" name="사각형: 둥근 모서리 6">
+            <a:extLst>
+              <a:ext uri="{FF2B5EF4-FFF2-40B4-BE49-F238E27FC236}">
+                <a16:creationId xmlns:a16="http://schemas.microsoft.com/office/drawing/2014/main" id="{F2CABD07-29D2-43B6-A0DF-944BA40666E0}"/>
+              </a:ext>
+            </a:extLst>
+          </p:cNvPr>
+          <p:cNvSpPr/>
+          <p:nvPr/>
+        </p:nvSpPr>
+        <p:spPr>
+          <a:xfrm>
+            <a:off x="3552709" y="108025"/>
+            <a:ext cx="5904656" cy="2943747"/>
+          </a:xfrm>
+          <a:prstGeom prst="roundRect">
+            <a:avLst/>
+          </a:prstGeom>
+          <a:solidFill>
+            <a:schemeClr val="tx1">
+              <a:lumMod val="85000"/>
+              <a:lumOff val="15000"/>
+            </a:schemeClr>
+          </a:solidFill>
+          <a:ln>
+            <a:noFill/>
+          </a:ln>
+        </p:spPr>
+        <p:style>
+          <a:lnRef idx="2">
+            <a:schemeClr val="accent1">
+              <a:shade val="50000"/>
+            </a:schemeClr>
+          </a:lnRef>
+          <a:fillRef idx="1">
+            <a:schemeClr val="accent1"/>
+          </a:fillRef>
+          <a:effectRef idx="0">
+            <a:schemeClr val="accent1"/>
+          </a:effectRef>
+          <a:fontRef idx="minor">
+            <a:schemeClr val="lt1"/>
+          </a:fontRef>
+        </p:style>
+        <p:txBody>
+          <a:bodyPr rtlCol="0" anchor="ctr"/>
+          <a:lstStyle/>
+          <a:p>
+            <a:pPr algn="ctr"/>
+            <a:endParaRPr lang="ko-KR" altLang="en-US"/>
+          </a:p>
+        </p:txBody>
+      </p:sp>
+      <p:sp>
+        <p:nvSpPr>
+          <p:cNvPr id="8" name="사각형: 둥근 모서리 7">
+            <a:extLst>
+              <a:ext uri="{FF2B5EF4-FFF2-40B4-BE49-F238E27FC236}">
+                <a16:creationId xmlns:a16="http://schemas.microsoft.com/office/drawing/2014/main" id="{FB5FDB68-10FD-4C4F-B8FF-8AC252BA9B03}"/>
+              </a:ext>
+            </a:extLst>
+          </p:cNvPr>
+          <p:cNvSpPr/>
+          <p:nvPr/>
+        </p:nvSpPr>
+        <p:spPr>
+          <a:xfrm>
+            <a:off x="3732729" y="283754"/>
+            <a:ext cx="5544616" cy="2592288"/>
+          </a:xfrm>
+          <a:prstGeom prst="roundRect">
+            <a:avLst/>
+          </a:prstGeom>
+          <a:solidFill>
+            <a:schemeClr val="bg1"/>
+          </a:solidFill>
+          <a:ln>
+            <a:noFill/>
+          </a:ln>
+        </p:spPr>
+        <p:style>
+          <a:lnRef idx="2">
+            <a:schemeClr val="accent1">
+              <a:shade val="50000"/>
+            </a:schemeClr>
+          </a:lnRef>
+          <a:fillRef idx="1">
+            <a:schemeClr val="accent1"/>
+          </a:fillRef>
+          <a:effectRef idx="0">
+            <a:schemeClr val="accent1"/>
+          </a:effectRef>
+          <a:fontRef idx="minor">
+            <a:schemeClr val="lt1"/>
+          </a:fontRef>
+        </p:style>
+        <p:txBody>
+          <a:bodyPr rtlCol="0" anchor="ctr"/>
+          <a:lstStyle/>
+          <a:p>
+            <a:pPr algn="ctr"/>
+            <a:endParaRPr lang="ko-KR" altLang="en-US"/>
+          </a:p>
+        </p:txBody>
+      </p:sp>
+      <p:sp>
+        <p:nvSpPr>
+          <p:cNvPr id="9" name="직사각형 8">
+            <a:extLst>
+              <a:ext uri="{FF2B5EF4-FFF2-40B4-BE49-F238E27FC236}">
+                <a16:creationId xmlns:a16="http://schemas.microsoft.com/office/drawing/2014/main" id="{362B1FBF-15EF-4D21-8E16-44165B1CFEF4}"/>
+              </a:ext>
+            </a:extLst>
+          </p:cNvPr>
+          <p:cNvSpPr/>
+          <p:nvPr/>
+        </p:nvSpPr>
+        <p:spPr>
+          <a:xfrm>
+            <a:off x="5609129" y="3051771"/>
+            <a:ext cx="1791816" cy="460169"/>
+          </a:xfrm>
+          <a:prstGeom prst="rect">
+            <a:avLst/>
+          </a:prstGeom>
+          <a:noFill/>
+          <a:ln>
+            <a:noFill/>
+          </a:ln>
+        </p:spPr>
+        <p:style>
+          <a:lnRef idx="2">
+            <a:schemeClr val="accent1">
+              <a:shade val="50000"/>
+            </a:schemeClr>
+          </a:lnRef>
+          <a:fillRef idx="1">
+            <a:schemeClr val="accent1"/>
+          </a:fillRef>
+          <a:effectRef idx="0">
+            <a:schemeClr val="accent1"/>
+          </a:effectRef>
+          <a:fontRef idx="minor">
+            <a:schemeClr val="lt1"/>
+          </a:fontRef>
+        </p:style>
+        <p:txBody>
+          <a:bodyPr rtlCol="0" anchor="ctr"/>
+          <a:lstStyle/>
+          <a:p>
+            <a:pPr algn="ctr"/>
+            <a:r>
+              <a:rPr lang="en-US" altLang="ko-KR" sz="1400" b="1" dirty="0">
+                <a:solidFill>
+                  <a:schemeClr val="tx1"/>
+                </a:solidFill>
+              </a:rPr>
+              <a:t>NEMOSHELL</a:t>
+            </a:r>
+          </a:p>
+        </p:txBody>
+      </p:sp>
+      <p:sp>
+        <p:nvSpPr>
+          <p:cNvPr id="11" name="사각형: 둥근 모서리 10">
+            <a:extLst>
+              <a:ext uri="{FF2B5EF4-FFF2-40B4-BE49-F238E27FC236}">
+                <a16:creationId xmlns:a16="http://schemas.microsoft.com/office/drawing/2014/main" id="{E36BA77B-8915-4088-B423-3C77063C01C3}"/>
+              </a:ext>
+            </a:extLst>
+          </p:cNvPr>
+          <p:cNvSpPr/>
+          <p:nvPr/>
+        </p:nvSpPr>
+        <p:spPr>
+          <a:xfrm>
+            <a:off x="4439509" y="527618"/>
+            <a:ext cx="1563350" cy="516511"/>
+          </a:xfrm>
+          <a:prstGeom prst="roundRect">
+            <a:avLst/>
+          </a:prstGeom>
+          <a:solidFill>
+            <a:schemeClr val="bg1">
+              <a:lumMod val="75000"/>
+            </a:schemeClr>
+          </a:solidFill>
+          <a:ln>
+            <a:solidFill>
+              <a:schemeClr val="tx1"/>
+            </a:solidFill>
+          </a:ln>
+        </p:spPr>
+        <p:style>
+          <a:lnRef idx="2">
+            <a:schemeClr val="accent1">
+              <a:shade val="50000"/>
+            </a:schemeClr>
+          </a:lnRef>
+          <a:fillRef idx="1">
+            <a:schemeClr val="accent1"/>
+          </a:fillRef>
+          <a:effectRef idx="0">
+            <a:schemeClr val="accent1"/>
+          </a:effectRef>
+          <a:fontRef idx="minor">
+            <a:schemeClr val="lt1"/>
+          </a:fontRef>
+        </p:style>
+        <p:txBody>
+          <a:bodyPr rtlCol="0" anchor="ctr"/>
+          <a:lstStyle/>
+          <a:p>
+            <a:pPr lvl="0" algn="ctr"/>
+            <a:r>
+              <a:rPr lang="en-US" altLang="ko-KR" sz="1400" b="1" dirty="0">
+                <a:solidFill>
+                  <a:prstClr val="black"/>
+                </a:solidFill>
+              </a:rPr>
+              <a:t>Session #0</a:t>
+            </a:r>
+          </a:p>
+        </p:txBody>
+      </p:sp>
+      <p:sp>
+        <p:nvSpPr>
+          <p:cNvPr id="12" name="사각형: 둥근 모서리 11">
+            <a:extLst>
+              <a:ext uri="{FF2B5EF4-FFF2-40B4-BE49-F238E27FC236}">
+                <a16:creationId xmlns:a16="http://schemas.microsoft.com/office/drawing/2014/main" id="{1F99E6CD-DC10-492D-A696-651116A9751B}"/>
+              </a:ext>
+            </a:extLst>
+          </p:cNvPr>
+          <p:cNvSpPr/>
+          <p:nvPr/>
+        </p:nvSpPr>
+        <p:spPr>
+          <a:xfrm>
+            <a:off x="7207157" y="397029"/>
+            <a:ext cx="1343936" cy="720080"/>
+          </a:xfrm>
+          <a:prstGeom prst="roundRect">
+            <a:avLst/>
+          </a:prstGeom>
+          <a:solidFill>
+            <a:schemeClr val="accent2">
+              <a:lumMod val="40000"/>
+              <a:lumOff val="60000"/>
+            </a:schemeClr>
+          </a:solidFill>
+          <a:ln>
+            <a:solidFill>
+              <a:schemeClr val="tx1"/>
+            </a:solidFill>
+          </a:ln>
+        </p:spPr>
+        <p:style>
+          <a:lnRef idx="2">
+            <a:schemeClr val="accent1">
+              <a:shade val="50000"/>
+            </a:schemeClr>
+          </a:lnRef>
+          <a:fillRef idx="1">
+            <a:schemeClr val="accent1"/>
+          </a:fillRef>
+          <a:effectRef idx="0">
+            <a:schemeClr val="accent1"/>
+          </a:effectRef>
+          <a:fontRef idx="minor">
+            <a:schemeClr val="lt1"/>
+          </a:fontRef>
+        </p:style>
+        <p:txBody>
+          <a:bodyPr rtlCol="0" anchor="ctr"/>
+          <a:lstStyle/>
+          <a:p>
+            <a:pPr lvl="0" algn="ctr"/>
+            <a:r>
+              <a:rPr lang="en-US" altLang="ko-KR" sz="1400" b="1" dirty="0">
+                <a:solidFill>
+                  <a:prstClr val="black"/>
+                </a:solidFill>
+              </a:rPr>
+              <a:t>Application</a:t>
+            </a:r>
+          </a:p>
+        </p:txBody>
+      </p:sp>
+      <p:sp>
+        <p:nvSpPr>
+          <p:cNvPr id="13" name="사각형: 둥근 모서리 12">
+            <a:extLst>
+              <a:ext uri="{FF2B5EF4-FFF2-40B4-BE49-F238E27FC236}">
+                <a16:creationId xmlns:a16="http://schemas.microsoft.com/office/drawing/2014/main" id="{B37D023D-17E5-4A8C-BB82-BBD4C9E95536}"/>
+              </a:ext>
+            </a:extLst>
+          </p:cNvPr>
+          <p:cNvSpPr/>
+          <p:nvPr/>
+        </p:nvSpPr>
+        <p:spPr>
+          <a:xfrm>
+            <a:off x="7225116" y="1181012"/>
+            <a:ext cx="1343936" cy="720080"/>
+          </a:xfrm>
+          <a:prstGeom prst="roundRect">
+            <a:avLst/>
+          </a:prstGeom>
+          <a:solidFill>
+            <a:schemeClr val="accent3">
+              <a:lumMod val="60000"/>
+              <a:lumOff val="40000"/>
+            </a:schemeClr>
+          </a:solidFill>
+          <a:ln>
+            <a:solidFill>
+              <a:schemeClr val="tx1"/>
+            </a:solidFill>
+          </a:ln>
+        </p:spPr>
+        <p:style>
+          <a:lnRef idx="2">
+            <a:schemeClr val="accent1">
+              <a:shade val="50000"/>
+            </a:schemeClr>
+          </a:lnRef>
+          <a:fillRef idx="1">
+            <a:schemeClr val="accent1"/>
+          </a:fillRef>
+          <a:effectRef idx="0">
+            <a:schemeClr val="accent1"/>
+          </a:effectRef>
+          <a:fontRef idx="minor">
+            <a:schemeClr val="lt1"/>
+          </a:fontRef>
+        </p:style>
+        <p:txBody>
+          <a:bodyPr rtlCol="0" anchor="ctr"/>
+          <a:lstStyle/>
+          <a:p>
+            <a:pPr lvl="0" algn="ctr"/>
+            <a:r>
+              <a:rPr lang="en-US" altLang="ko-KR" sz="1400" b="1" dirty="0">
+                <a:solidFill>
+                  <a:prstClr val="black"/>
+                </a:solidFill>
+              </a:rPr>
+              <a:t>Application</a:t>
+            </a:r>
+          </a:p>
+        </p:txBody>
+      </p:sp>
+      <p:sp>
+        <p:nvSpPr>
+          <p:cNvPr id="14" name="사각형: 둥근 모서리 13">
+            <a:extLst>
+              <a:ext uri="{FF2B5EF4-FFF2-40B4-BE49-F238E27FC236}">
+                <a16:creationId xmlns:a16="http://schemas.microsoft.com/office/drawing/2014/main" id="{3F0C5CA5-3187-4575-BDD8-7829C9FAA2FA}"/>
+              </a:ext>
+            </a:extLst>
+          </p:cNvPr>
+          <p:cNvSpPr/>
+          <p:nvPr/>
+        </p:nvSpPr>
+        <p:spPr>
+          <a:xfrm>
+            <a:off x="7225116" y="1980233"/>
+            <a:ext cx="1343936" cy="720080"/>
+          </a:xfrm>
+          <a:prstGeom prst="roundRect">
+            <a:avLst/>
+          </a:prstGeom>
+          <a:solidFill>
+            <a:schemeClr val="accent1">
+              <a:lumMod val="40000"/>
+              <a:lumOff val="60000"/>
+            </a:schemeClr>
+          </a:solidFill>
+          <a:ln>
+            <a:solidFill>
+              <a:schemeClr val="tx1"/>
+            </a:solidFill>
+          </a:ln>
+        </p:spPr>
+        <p:style>
+          <a:lnRef idx="2">
+            <a:schemeClr val="accent1">
+              <a:shade val="50000"/>
+            </a:schemeClr>
+          </a:lnRef>
+          <a:fillRef idx="1">
+            <a:schemeClr val="accent1"/>
+          </a:fillRef>
+          <a:effectRef idx="0">
+            <a:schemeClr val="accent1"/>
+          </a:effectRef>
+          <a:fontRef idx="minor">
+            <a:schemeClr val="lt1"/>
+          </a:fontRef>
+        </p:style>
+        <p:txBody>
+          <a:bodyPr rtlCol="0" anchor="ctr"/>
+          <a:lstStyle/>
+          <a:p>
+            <a:pPr lvl="0" algn="ctr"/>
+            <a:r>
+              <a:rPr lang="en-US" altLang="ko-KR" sz="1400" b="1" dirty="0">
+                <a:solidFill>
+                  <a:prstClr val="black"/>
+                </a:solidFill>
+              </a:rPr>
+              <a:t>Application</a:t>
+            </a:r>
+          </a:p>
+        </p:txBody>
+      </p:sp>
+      <p:sp>
+        <p:nvSpPr>
+          <p:cNvPr id="21" name="화살표: 아래쪽 20">
+            <a:extLst>
+              <a:ext uri="{FF2B5EF4-FFF2-40B4-BE49-F238E27FC236}">
+                <a16:creationId xmlns:a16="http://schemas.microsoft.com/office/drawing/2014/main" id="{AD8887BE-901F-4D28-9352-7A02F7C9C0AE}"/>
+              </a:ext>
+            </a:extLst>
+          </p:cNvPr>
+          <p:cNvSpPr/>
+          <p:nvPr/>
+        </p:nvSpPr>
+        <p:spPr>
+          <a:xfrm rot="5400000">
+            <a:off x="6352979" y="433594"/>
+            <a:ext cx="504056" cy="781859"/>
+          </a:xfrm>
+          <a:prstGeom prst="downArrow">
+            <a:avLst/>
+          </a:prstGeom>
+        </p:spPr>
+        <p:style>
+          <a:lnRef idx="2">
+            <a:schemeClr val="accent1">
+              <a:shade val="50000"/>
+            </a:schemeClr>
+          </a:lnRef>
+          <a:fillRef idx="1">
+            <a:schemeClr val="accent1"/>
+          </a:fillRef>
+          <a:effectRef idx="0">
+            <a:schemeClr val="accent1"/>
+          </a:effectRef>
+          <a:fontRef idx="minor">
+            <a:schemeClr val="lt1"/>
+          </a:fontRef>
+        </p:style>
+        <p:txBody>
+          <a:bodyPr rtlCol="0" anchor="ctr"/>
+          <a:lstStyle/>
+          <a:p>
+            <a:pPr algn="ctr"/>
+            <a:endParaRPr lang="ko-KR" altLang="en-US"/>
+          </a:p>
+        </p:txBody>
+      </p:sp>
+      <p:grpSp>
+        <p:nvGrpSpPr>
+          <p:cNvPr id="25" name="그룹 24">
+            <a:extLst>
+              <a:ext uri="{FF2B5EF4-FFF2-40B4-BE49-F238E27FC236}">
+                <a16:creationId xmlns:a16="http://schemas.microsoft.com/office/drawing/2014/main" id="{B59898A8-E742-49CD-8655-C84144B99F3E}"/>
+              </a:ext>
+            </a:extLst>
+          </p:cNvPr>
+          <p:cNvGrpSpPr/>
+          <p:nvPr/>
+        </p:nvGrpSpPr>
+        <p:grpSpPr>
+          <a:xfrm>
+            <a:off x="299917" y="1410002"/>
+            <a:ext cx="432048" cy="903120"/>
+            <a:chOff x="299917" y="1410002"/>
+            <a:chExt cx="432048" cy="903120"/>
+          </a:xfrm>
+        </p:grpSpPr>
+        <p:sp>
+          <p:nvSpPr>
+            <p:cNvPr id="22" name="타원 21">
+              <a:extLst>
+                <a:ext uri="{FF2B5EF4-FFF2-40B4-BE49-F238E27FC236}">
+                  <a16:creationId xmlns:a16="http://schemas.microsoft.com/office/drawing/2014/main" id="{6A32109D-76F5-4824-9B3A-777E85E049D8}"/>
+                </a:ext>
+              </a:extLst>
+            </p:cNvPr>
+            <p:cNvSpPr/>
+            <p:nvPr/>
+          </p:nvSpPr>
+          <p:spPr>
+            <a:xfrm>
+              <a:off x="335531" y="1410002"/>
+              <a:ext cx="360821" cy="331919"/>
+            </a:xfrm>
+            <a:prstGeom prst="ellipse">
+              <a:avLst/>
+            </a:prstGeom>
+            <a:solidFill>
+              <a:schemeClr val="tx1"/>
+            </a:solidFill>
+            <a:ln>
+              <a:noFill/>
+            </a:ln>
+          </p:spPr>
+          <p:style>
+            <a:lnRef idx="2">
+              <a:schemeClr val="accent1">
+                <a:shade val="50000"/>
+              </a:schemeClr>
+            </a:lnRef>
+            <a:fillRef idx="1">
+              <a:schemeClr val="accent1"/>
+            </a:fillRef>
+            <a:effectRef idx="0">
+              <a:schemeClr val="accent1"/>
+            </a:effectRef>
+            <a:fontRef idx="minor">
+              <a:schemeClr val="lt1"/>
+            </a:fontRef>
+          </p:style>
+          <p:txBody>
+            <a:bodyPr rtlCol="0" anchor="ctr"/>
+            <a:lstStyle/>
+            <a:p>
+              <a:pPr algn="ctr"/>
+              <a:endParaRPr lang="ko-KR" altLang="en-US"/>
+            </a:p>
+          </p:txBody>
+        </p:sp>
+        <p:sp>
+          <p:nvSpPr>
+            <p:cNvPr id="10" name="이등변 삼각형 9">
+              <a:extLst>
+                <a:ext uri="{FF2B5EF4-FFF2-40B4-BE49-F238E27FC236}">
+                  <a16:creationId xmlns:a16="http://schemas.microsoft.com/office/drawing/2014/main" id="{38233F08-4EA7-44DA-87D3-AFCAC69CF300}"/>
+                </a:ext>
+              </a:extLst>
+            </p:cNvPr>
+            <p:cNvSpPr/>
+            <p:nvPr/>
+          </p:nvSpPr>
+          <p:spPr>
+            <a:xfrm>
+              <a:off x="299917" y="1705916"/>
+              <a:ext cx="432048" cy="607206"/>
+            </a:xfrm>
+            <a:prstGeom prst="triangle">
+              <a:avLst/>
+            </a:prstGeom>
+            <a:solidFill>
+              <a:schemeClr val="tx1"/>
+            </a:solidFill>
+            <a:ln>
+              <a:noFill/>
+            </a:ln>
+          </p:spPr>
+          <p:style>
+            <a:lnRef idx="2">
+              <a:schemeClr val="accent1">
+                <a:shade val="50000"/>
+              </a:schemeClr>
+            </a:lnRef>
+            <a:fillRef idx="1">
+              <a:schemeClr val="accent1"/>
+            </a:fillRef>
+            <a:effectRef idx="0">
+              <a:schemeClr val="accent1"/>
+            </a:effectRef>
+            <a:fontRef idx="minor">
+              <a:schemeClr val="lt1"/>
+            </a:fontRef>
+          </p:style>
+          <p:txBody>
+            <a:bodyPr rtlCol="0" anchor="ctr"/>
+            <a:lstStyle/>
+            <a:p>
+              <a:pPr algn="ctr"/>
+              <a:endParaRPr lang="ko-KR" altLang="en-US"/>
+            </a:p>
+          </p:txBody>
+        </p:sp>
+      </p:grpSp>
+      <p:sp>
+        <p:nvSpPr>
+          <p:cNvPr id="23" name="사각형: 둥근 모서리 22">
+            <a:extLst>
+              <a:ext uri="{FF2B5EF4-FFF2-40B4-BE49-F238E27FC236}">
+                <a16:creationId xmlns:a16="http://schemas.microsoft.com/office/drawing/2014/main" id="{913E52D9-E447-461C-85A6-FDD619EA34A0}"/>
+              </a:ext>
+            </a:extLst>
+          </p:cNvPr>
+          <p:cNvSpPr/>
+          <p:nvPr/>
+        </p:nvSpPr>
+        <p:spPr>
+          <a:xfrm>
+            <a:off x="973356" y="583117"/>
+            <a:ext cx="1728583" cy="1185146"/>
+          </a:xfrm>
+          <a:prstGeom prst="roundRect">
+            <a:avLst/>
+          </a:prstGeom>
+          <a:solidFill>
+            <a:schemeClr val="bg1">
+              <a:lumMod val="75000"/>
+            </a:schemeClr>
+          </a:solidFill>
+          <a:ln>
+            <a:solidFill>
+              <a:schemeClr val="tx1"/>
+            </a:solidFill>
+          </a:ln>
+        </p:spPr>
+        <p:style>
+          <a:lnRef idx="2">
+            <a:schemeClr val="accent1">
+              <a:shade val="50000"/>
+            </a:schemeClr>
+          </a:lnRef>
+          <a:fillRef idx="1">
+            <a:schemeClr val="accent1"/>
+          </a:fillRef>
+          <a:effectRef idx="0">
+            <a:schemeClr val="accent1"/>
+          </a:effectRef>
+          <a:fontRef idx="minor">
+            <a:schemeClr val="lt1"/>
+          </a:fontRef>
+        </p:style>
+        <p:txBody>
+          <a:bodyPr rtlCol="0" anchor="ctr"/>
+          <a:lstStyle/>
+          <a:p>
+            <a:pPr lvl="0" algn="ctr"/>
+            <a:endParaRPr lang="en-US" altLang="ko-KR" sz="1400" b="1" dirty="0">
+              <a:solidFill>
+                <a:prstClr val="black"/>
+              </a:solidFill>
+            </a:endParaRPr>
+          </a:p>
+        </p:txBody>
+      </p:sp>
+      <p:sp>
+        <p:nvSpPr>
+          <p:cNvPr id="24" name="사각형: 둥근 모서리 23">
+            <a:extLst>
+              <a:ext uri="{FF2B5EF4-FFF2-40B4-BE49-F238E27FC236}">
+                <a16:creationId xmlns:a16="http://schemas.microsoft.com/office/drawing/2014/main" id="{514011D8-A71B-4C91-973C-5B197C135E54}"/>
+              </a:ext>
+            </a:extLst>
+          </p:cNvPr>
+          <p:cNvSpPr/>
+          <p:nvPr/>
+        </p:nvSpPr>
+        <p:spPr>
+          <a:xfrm>
+            <a:off x="1558730" y="3051771"/>
+            <a:ext cx="1728583" cy="1185146"/>
+          </a:xfrm>
+          <a:prstGeom prst="roundRect">
+            <a:avLst/>
+          </a:prstGeom>
+          <a:solidFill>
+            <a:schemeClr val="bg1">
+              <a:lumMod val="75000"/>
+            </a:schemeClr>
+          </a:solidFill>
+          <a:ln>
+            <a:solidFill>
+              <a:schemeClr val="tx1"/>
+            </a:solidFill>
+          </a:ln>
+        </p:spPr>
+        <p:style>
+          <a:lnRef idx="2">
+            <a:schemeClr val="accent1">
+              <a:shade val="50000"/>
+            </a:schemeClr>
+          </a:lnRef>
+          <a:fillRef idx="1">
+            <a:schemeClr val="accent1"/>
+          </a:fillRef>
+          <a:effectRef idx="0">
+            <a:schemeClr val="accent1"/>
+          </a:effectRef>
+          <a:fontRef idx="minor">
+            <a:schemeClr val="lt1"/>
+          </a:fontRef>
+        </p:style>
+        <p:txBody>
+          <a:bodyPr rtlCol="0" anchor="ctr"/>
+          <a:lstStyle/>
+          <a:p>
+            <a:pPr lvl="0" algn="ctr"/>
+            <a:endParaRPr lang="en-US" altLang="ko-KR" sz="1400" b="1" dirty="0">
+              <a:solidFill>
+                <a:prstClr val="black"/>
+              </a:solidFill>
+            </a:endParaRPr>
+          </a:p>
+        </p:txBody>
+      </p:sp>
+      <p:grpSp>
+        <p:nvGrpSpPr>
+          <p:cNvPr id="26" name="그룹 25">
+            <a:extLst>
+              <a:ext uri="{FF2B5EF4-FFF2-40B4-BE49-F238E27FC236}">
+                <a16:creationId xmlns:a16="http://schemas.microsoft.com/office/drawing/2014/main" id="{4358C94C-5C25-4C6E-8E4A-32997D61F298}"/>
+              </a:ext>
+            </a:extLst>
+          </p:cNvPr>
+          <p:cNvGrpSpPr/>
+          <p:nvPr/>
+        </p:nvGrpSpPr>
+        <p:grpSpPr>
+          <a:xfrm>
+            <a:off x="696352" y="3852441"/>
+            <a:ext cx="432048" cy="903120"/>
+            <a:chOff x="299917" y="1410002"/>
+            <a:chExt cx="432048" cy="903120"/>
+          </a:xfrm>
+        </p:grpSpPr>
+        <p:sp>
+          <p:nvSpPr>
+            <p:cNvPr id="27" name="타원 26">
+              <a:extLst>
+                <a:ext uri="{FF2B5EF4-FFF2-40B4-BE49-F238E27FC236}">
+                  <a16:creationId xmlns:a16="http://schemas.microsoft.com/office/drawing/2014/main" id="{8EED1870-F4E5-4B0D-9F57-B86F85CFDCF0}"/>
+                </a:ext>
+              </a:extLst>
+            </p:cNvPr>
+            <p:cNvSpPr/>
+            <p:nvPr/>
+          </p:nvSpPr>
+          <p:spPr>
+            <a:xfrm>
+              <a:off x="335531" y="1410002"/>
+              <a:ext cx="360821" cy="331919"/>
+            </a:xfrm>
+            <a:prstGeom prst="ellipse">
+              <a:avLst/>
+            </a:prstGeom>
+            <a:solidFill>
+              <a:schemeClr val="tx1"/>
+            </a:solidFill>
+            <a:ln>
+              <a:noFill/>
+            </a:ln>
+          </p:spPr>
+          <p:style>
+            <a:lnRef idx="2">
+              <a:schemeClr val="accent1">
+                <a:shade val="50000"/>
+              </a:schemeClr>
+            </a:lnRef>
+            <a:fillRef idx="1">
+              <a:schemeClr val="accent1"/>
+            </a:fillRef>
+            <a:effectRef idx="0">
+              <a:schemeClr val="accent1"/>
+            </a:effectRef>
+            <a:fontRef idx="minor">
+              <a:schemeClr val="lt1"/>
+            </a:fontRef>
+          </p:style>
+          <p:txBody>
+            <a:bodyPr rtlCol="0" anchor="ctr"/>
+            <a:lstStyle/>
+            <a:p>
+              <a:pPr algn="ctr"/>
+              <a:endParaRPr lang="ko-KR" altLang="en-US"/>
+            </a:p>
+          </p:txBody>
+        </p:sp>
+        <p:sp>
+          <p:nvSpPr>
+            <p:cNvPr id="28" name="이등변 삼각형 27">
+              <a:extLst>
+                <a:ext uri="{FF2B5EF4-FFF2-40B4-BE49-F238E27FC236}">
+                  <a16:creationId xmlns:a16="http://schemas.microsoft.com/office/drawing/2014/main" id="{FA7A2ACF-3493-49E3-B4AF-1E831076BF61}"/>
+                </a:ext>
+              </a:extLst>
+            </p:cNvPr>
+            <p:cNvSpPr/>
+            <p:nvPr/>
+          </p:nvSpPr>
+          <p:spPr>
+            <a:xfrm>
+              <a:off x="299917" y="1705916"/>
+              <a:ext cx="432048" cy="607206"/>
+            </a:xfrm>
+            <a:prstGeom prst="triangle">
+              <a:avLst/>
+            </a:prstGeom>
+            <a:solidFill>
+              <a:schemeClr val="tx1"/>
+            </a:solidFill>
+            <a:ln>
+              <a:noFill/>
+            </a:ln>
+          </p:spPr>
+          <p:style>
+            <a:lnRef idx="2">
+              <a:schemeClr val="accent1">
+                <a:shade val="50000"/>
+              </a:schemeClr>
+            </a:lnRef>
+            <a:fillRef idx="1">
+              <a:schemeClr val="accent1"/>
+            </a:fillRef>
+            <a:effectRef idx="0">
+              <a:schemeClr val="accent1"/>
+            </a:effectRef>
+            <a:fontRef idx="minor">
+              <a:schemeClr val="lt1"/>
+            </a:fontRef>
+          </p:style>
+          <p:txBody>
+            <a:bodyPr rtlCol="0" anchor="ctr"/>
+            <a:lstStyle/>
+            <a:p>
+              <a:pPr algn="ctr"/>
+              <a:endParaRPr lang="ko-KR" altLang="en-US"/>
+            </a:p>
+          </p:txBody>
+        </p:sp>
+      </p:grpSp>
+      <p:grpSp>
+        <p:nvGrpSpPr>
+          <p:cNvPr id="29" name="그룹 28">
+            <a:extLst>
+              <a:ext uri="{FF2B5EF4-FFF2-40B4-BE49-F238E27FC236}">
+                <a16:creationId xmlns:a16="http://schemas.microsoft.com/office/drawing/2014/main" id="{034C0C48-B33D-49EC-9EEB-FDCCA45AB802}"/>
+              </a:ext>
+            </a:extLst>
+          </p:cNvPr>
+          <p:cNvGrpSpPr/>
+          <p:nvPr/>
+        </p:nvGrpSpPr>
+        <p:grpSpPr>
+          <a:xfrm>
+            <a:off x="4587102" y="5370960"/>
+            <a:ext cx="432048" cy="903120"/>
+            <a:chOff x="299917" y="1410002"/>
+            <a:chExt cx="432048" cy="903120"/>
+          </a:xfrm>
+        </p:grpSpPr>
+        <p:sp>
+          <p:nvSpPr>
+            <p:cNvPr id="30" name="타원 29">
+              <a:extLst>
+                <a:ext uri="{FF2B5EF4-FFF2-40B4-BE49-F238E27FC236}">
+                  <a16:creationId xmlns:a16="http://schemas.microsoft.com/office/drawing/2014/main" id="{4834F554-8A34-480E-A80E-3DCA43B8A178}"/>
+                </a:ext>
+              </a:extLst>
+            </p:cNvPr>
+            <p:cNvSpPr/>
+            <p:nvPr/>
+          </p:nvSpPr>
+          <p:spPr>
+            <a:xfrm>
+              <a:off x="335531" y="1410002"/>
+              <a:ext cx="360821" cy="331919"/>
+            </a:xfrm>
+            <a:prstGeom prst="ellipse">
+              <a:avLst/>
+            </a:prstGeom>
+            <a:solidFill>
+              <a:schemeClr val="tx1"/>
+            </a:solidFill>
+            <a:ln>
+              <a:noFill/>
+            </a:ln>
+          </p:spPr>
+          <p:style>
+            <a:lnRef idx="2">
+              <a:schemeClr val="accent1">
+                <a:shade val="50000"/>
+              </a:schemeClr>
+            </a:lnRef>
+            <a:fillRef idx="1">
+              <a:schemeClr val="accent1"/>
+            </a:fillRef>
+            <a:effectRef idx="0">
+              <a:schemeClr val="accent1"/>
+            </a:effectRef>
+            <a:fontRef idx="minor">
+              <a:schemeClr val="lt1"/>
+            </a:fontRef>
+          </p:style>
+          <p:txBody>
+            <a:bodyPr rtlCol="0" anchor="ctr"/>
+            <a:lstStyle/>
+            <a:p>
+              <a:pPr algn="ctr"/>
+              <a:endParaRPr lang="ko-KR" altLang="en-US"/>
+            </a:p>
+          </p:txBody>
+        </p:sp>
+        <p:sp>
+          <p:nvSpPr>
+            <p:cNvPr id="31" name="이등변 삼각형 30">
+              <a:extLst>
+                <a:ext uri="{FF2B5EF4-FFF2-40B4-BE49-F238E27FC236}">
+                  <a16:creationId xmlns:a16="http://schemas.microsoft.com/office/drawing/2014/main" id="{90C1D1E7-7AD4-4788-B711-5D40568C9429}"/>
+                </a:ext>
+              </a:extLst>
+            </p:cNvPr>
+            <p:cNvSpPr/>
+            <p:nvPr/>
+          </p:nvSpPr>
+          <p:spPr>
+            <a:xfrm>
+              <a:off x="299917" y="1705916"/>
+              <a:ext cx="432048" cy="607206"/>
+            </a:xfrm>
+            <a:prstGeom prst="triangle">
+              <a:avLst/>
+            </a:prstGeom>
+            <a:solidFill>
+              <a:schemeClr val="tx1"/>
+            </a:solidFill>
+            <a:ln>
+              <a:noFill/>
+            </a:ln>
+          </p:spPr>
+          <p:style>
+            <a:lnRef idx="2">
+              <a:schemeClr val="accent1">
+                <a:shade val="50000"/>
+              </a:schemeClr>
+            </a:lnRef>
+            <a:fillRef idx="1">
+              <a:schemeClr val="accent1"/>
+            </a:fillRef>
+            <a:effectRef idx="0">
+              <a:schemeClr val="accent1"/>
+            </a:effectRef>
+            <a:fontRef idx="minor">
+              <a:schemeClr val="lt1"/>
+            </a:fontRef>
+          </p:style>
+          <p:txBody>
+            <a:bodyPr rtlCol="0" anchor="ctr"/>
+            <a:lstStyle/>
+            <a:p>
+              <a:pPr algn="ctr"/>
+              <a:endParaRPr lang="ko-KR" altLang="en-US"/>
+            </a:p>
+          </p:txBody>
+        </p:sp>
+      </p:grpSp>
+      <p:grpSp>
+        <p:nvGrpSpPr>
+          <p:cNvPr id="32" name="그룹 31">
+            <a:extLst>
+              <a:ext uri="{FF2B5EF4-FFF2-40B4-BE49-F238E27FC236}">
+                <a16:creationId xmlns:a16="http://schemas.microsoft.com/office/drawing/2014/main" id="{97C6DAE2-C740-43A9-8085-3246BBCE0FBB}"/>
+              </a:ext>
+            </a:extLst>
+          </p:cNvPr>
+          <p:cNvGrpSpPr/>
+          <p:nvPr/>
+        </p:nvGrpSpPr>
+        <p:grpSpPr>
+          <a:xfrm>
+            <a:off x="7711463" y="5401481"/>
+            <a:ext cx="432048" cy="903120"/>
+            <a:chOff x="299917" y="1410002"/>
+            <a:chExt cx="432048" cy="903120"/>
+          </a:xfrm>
+        </p:grpSpPr>
+        <p:sp>
+          <p:nvSpPr>
+            <p:cNvPr id="33" name="타원 32">
+              <a:extLst>
+                <a:ext uri="{FF2B5EF4-FFF2-40B4-BE49-F238E27FC236}">
+                  <a16:creationId xmlns:a16="http://schemas.microsoft.com/office/drawing/2014/main" id="{612794BA-30F4-432D-9CFC-F228ED6871A6}"/>
+                </a:ext>
+              </a:extLst>
+            </p:cNvPr>
+            <p:cNvSpPr/>
+            <p:nvPr/>
+          </p:nvSpPr>
+          <p:spPr>
+            <a:xfrm>
+              <a:off x="335531" y="1410002"/>
+              <a:ext cx="360821" cy="331919"/>
+            </a:xfrm>
+            <a:prstGeom prst="ellipse">
+              <a:avLst/>
+            </a:prstGeom>
+            <a:solidFill>
+              <a:schemeClr val="tx1"/>
+            </a:solidFill>
+            <a:ln>
+              <a:noFill/>
+            </a:ln>
+          </p:spPr>
+          <p:style>
+            <a:lnRef idx="2">
+              <a:schemeClr val="accent1">
+                <a:shade val="50000"/>
+              </a:schemeClr>
+            </a:lnRef>
+            <a:fillRef idx="1">
+              <a:schemeClr val="accent1"/>
+            </a:fillRef>
+            <a:effectRef idx="0">
+              <a:schemeClr val="accent1"/>
+            </a:effectRef>
+            <a:fontRef idx="minor">
+              <a:schemeClr val="lt1"/>
+            </a:fontRef>
+          </p:style>
+          <p:txBody>
+            <a:bodyPr rtlCol="0" anchor="ctr"/>
+            <a:lstStyle/>
+            <a:p>
+              <a:pPr algn="ctr"/>
+              <a:endParaRPr lang="ko-KR" altLang="en-US"/>
+            </a:p>
+          </p:txBody>
+        </p:sp>
+        <p:sp>
+          <p:nvSpPr>
+            <p:cNvPr id="34" name="이등변 삼각형 33">
+              <a:extLst>
+                <a:ext uri="{FF2B5EF4-FFF2-40B4-BE49-F238E27FC236}">
+                  <a16:creationId xmlns:a16="http://schemas.microsoft.com/office/drawing/2014/main" id="{20F0F8A8-9F0E-4880-95BE-A71319B237FD}"/>
+                </a:ext>
+              </a:extLst>
+            </p:cNvPr>
+            <p:cNvSpPr/>
+            <p:nvPr/>
+          </p:nvSpPr>
+          <p:spPr>
+            <a:xfrm>
+              <a:off x="299917" y="1705916"/>
+              <a:ext cx="432048" cy="607206"/>
+            </a:xfrm>
+            <a:prstGeom prst="triangle">
+              <a:avLst/>
+            </a:prstGeom>
+            <a:solidFill>
+              <a:schemeClr val="tx1"/>
+            </a:solidFill>
+            <a:ln>
+              <a:noFill/>
+            </a:ln>
+          </p:spPr>
+          <p:style>
+            <a:lnRef idx="2">
+              <a:schemeClr val="accent1">
+                <a:shade val="50000"/>
+              </a:schemeClr>
+            </a:lnRef>
+            <a:fillRef idx="1">
+              <a:schemeClr val="accent1"/>
+            </a:fillRef>
+            <a:effectRef idx="0">
+              <a:schemeClr val="accent1"/>
+            </a:effectRef>
+            <a:fontRef idx="minor">
+              <a:schemeClr val="lt1"/>
+            </a:fontRef>
+          </p:style>
+          <p:txBody>
+            <a:bodyPr rtlCol="0" anchor="ctr"/>
+            <a:lstStyle/>
+            <a:p>
+              <a:pPr algn="ctr"/>
+              <a:endParaRPr lang="ko-KR" altLang="en-US"/>
+            </a:p>
+          </p:txBody>
+        </p:sp>
+      </p:grpSp>
+      <p:sp>
+        <p:nvSpPr>
+          <p:cNvPr id="35" name="사각형: 둥근 모서리 34">
+            <a:extLst>
+              <a:ext uri="{FF2B5EF4-FFF2-40B4-BE49-F238E27FC236}">
+                <a16:creationId xmlns:a16="http://schemas.microsoft.com/office/drawing/2014/main" id="{D2E47FD7-B336-4CD6-AD74-D7A36DBA53D8}"/>
+              </a:ext>
+            </a:extLst>
+          </p:cNvPr>
+          <p:cNvSpPr/>
+          <p:nvPr/>
+        </p:nvSpPr>
+        <p:spPr>
+          <a:xfrm>
+            <a:off x="3960540" y="3785306"/>
+            <a:ext cx="1728583" cy="1185146"/>
+          </a:xfrm>
+          <a:prstGeom prst="roundRect">
+            <a:avLst/>
+          </a:prstGeom>
+          <a:solidFill>
+            <a:schemeClr val="bg1">
+              <a:lumMod val="75000"/>
+            </a:schemeClr>
+          </a:solidFill>
+          <a:ln>
+            <a:solidFill>
+              <a:schemeClr val="tx1"/>
+            </a:solidFill>
+          </a:ln>
+        </p:spPr>
+        <p:style>
+          <a:lnRef idx="2">
+            <a:schemeClr val="accent1">
+              <a:shade val="50000"/>
+            </a:schemeClr>
+          </a:lnRef>
+          <a:fillRef idx="1">
+            <a:schemeClr val="accent1"/>
+          </a:fillRef>
+          <a:effectRef idx="0">
+            <a:schemeClr val="accent1"/>
+          </a:effectRef>
+          <a:fontRef idx="minor">
+            <a:schemeClr val="lt1"/>
+          </a:fontRef>
+        </p:style>
+        <p:txBody>
+          <a:bodyPr rtlCol="0" anchor="ctr"/>
+          <a:lstStyle/>
+          <a:p>
+            <a:pPr lvl="0" algn="ctr"/>
+            <a:endParaRPr lang="en-US" altLang="ko-KR" sz="1400" b="1" dirty="0">
+              <a:solidFill>
+                <a:prstClr val="black"/>
+              </a:solidFill>
+            </a:endParaRPr>
+          </a:p>
+        </p:txBody>
+      </p:sp>
+      <p:sp>
+        <p:nvSpPr>
+          <p:cNvPr id="36" name="사각형: 둥근 모서리 35">
+            <a:extLst>
+              <a:ext uri="{FF2B5EF4-FFF2-40B4-BE49-F238E27FC236}">
+                <a16:creationId xmlns:a16="http://schemas.microsoft.com/office/drawing/2014/main" id="{3EEFDACC-6492-4DC8-9978-8A40D20CB5F3}"/>
+              </a:ext>
+            </a:extLst>
+          </p:cNvPr>
+          <p:cNvSpPr/>
+          <p:nvPr/>
+        </p:nvSpPr>
+        <p:spPr>
+          <a:xfrm>
+            <a:off x="6847172" y="3807854"/>
+            <a:ext cx="1728583" cy="1185146"/>
+          </a:xfrm>
+          <a:prstGeom prst="roundRect">
+            <a:avLst/>
+          </a:prstGeom>
+          <a:solidFill>
+            <a:schemeClr val="bg1">
+              <a:lumMod val="75000"/>
+            </a:schemeClr>
+          </a:solidFill>
+          <a:ln>
+            <a:solidFill>
+              <a:schemeClr val="tx1"/>
+            </a:solidFill>
+          </a:ln>
+        </p:spPr>
+        <p:style>
+          <a:lnRef idx="2">
+            <a:schemeClr val="accent1">
+              <a:shade val="50000"/>
+            </a:schemeClr>
+          </a:lnRef>
+          <a:fillRef idx="1">
+            <a:schemeClr val="accent1"/>
+          </a:fillRef>
+          <a:effectRef idx="0">
+            <a:schemeClr val="accent1"/>
+          </a:effectRef>
+          <a:fontRef idx="minor">
+            <a:schemeClr val="lt1"/>
+          </a:fontRef>
+        </p:style>
+        <p:txBody>
+          <a:bodyPr rtlCol="0" anchor="ctr"/>
+          <a:lstStyle/>
+          <a:p>
+            <a:pPr lvl="0" algn="ctr"/>
+            <a:endParaRPr lang="en-US" altLang="ko-KR" sz="1400" b="1" dirty="0">
+              <a:solidFill>
+                <a:prstClr val="black"/>
+              </a:solidFill>
+            </a:endParaRPr>
+          </a:p>
+        </p:txBody>
+      </p:sp>
+      <p:sp>
+        <p:nvSpPr>
+          <p:cNvPr id="37" name="사각형: 둥근 모서리 36">
+            <a:extLst>
+              <a:ext uri="{FF2B5EF4-FFF2-40B4-BE49-F238E27FC236}">
+                <a16:creationId xmlns:a16="http://schemas.microsoft.com/office/drawing/2014/main" id="{8008800C-6935-4268-987B-11FA77F42A0F}"/>
+              </a:ext>
+            </a:extLst>
+          </p:cNvPr>
+          <p:cNvSpPr/>
+          <p:nvPr/>
+        </p:nvSpPr>
+        <p:spPr>
+          <a:xfrm>
+            <a:off x="4454190" y="1332161"/>
+            <a:ext cx="1563350" cy="516511"/>
+          </a:xfrm>
+          <a:prstGeom prst="roundRect">
+            <a:avLst/>
+          </a:prstGeom>
+          <a:solidFill>
+            <a:schemeClr val="bg1">
+              <a:lumMod val="75000"/>
+            </a:schemeClr>
+          </a:solidFill>
+          <a:ln>
+            <a:solidFill>
+              <a:schemeClr val="tx1"/>
+            </a:solidFill>
+          </a:ln>
+        </p:spPr>
+        <p:style>
+          <a:lnRef idx="2">
+            <a:schemeClr val="accent1">
+              <a:shade val="50000"/>
+            </a:schemeClr>
+          </a:lnRef>
+          <a:fillRef idx="1">
+            <a:schemeClr val="accent1"/>
+          </a:fillRef>
+          <a:effectRef idx="0">
+            <a:schemeClr val="accent1"/>
+          </a:effectRef>
+          <a:fontRef idx="minor">
+            <a:schemeClr val="lt1"/>
+          </a:fontRef>
+        </p:style>
+        <p:txBody>
+          <a:bodyPr rtlCol="0" anchor="ctr"/>
+          <a:lstStyle/>
+          <a:p>
+            <a:pPr lvl="0" algn="ctr"/>
+            <a:r>
+              <a:rPr lang="en-US" altLang="ko-KR" sz="1400" b="1" dirty="0">
+                <a:solidFill>
+                  <a:prstClr val="black"/>
+                </a:solidFill>
+              </a:rPr>
+              <a:t>Session #1</a:t>
+            </a:r>
+          </a:p>
+        </p:txBody>
+      </p:sp>
+      <p:sp>
+        <p:nvSpPr>
+          <p:cNvPr id="38" name="사각형: 둥근 모서리 37">
+            <a:extLst>
+              <a:ext uri="{FF2B5EF4-FFF2-40B4-BE49-F238E27FC236}">
+                <a16:creationId xmlns:a16="http://schemas.microsoft.com/office/drawing/2014/main" id="{4B94A994-8A4F-4C8B-B8D3-EACCCD31B412}"/>
+              </a:ext>
+            </a:extLst>
+          </p:cNvPr>
+          <p:cNvSpPr/>
+          <p:nvPr/>
+        </p:nvSpPr>
+        <p:spPr>
+          <a:xfrm>
+            <a:off x="4456335" y="2111794"/>
+            <a:ext cx="1563350" cy="516511"/>
+          </a:xfrm>
+          <a:prstGeom prst="roundRect">
+            <a:avLst/>
+          </a:prstGeom>
+          <a:solidFill>
+            <a:schemeClr val="bg1">
+              <a:lumMod val="75000"/>
+            </a:schemeClr>
+          </a:solidFill>
+          <a:ln>
+            <a:solidFill>
+              <a:schemeClr val="tx1"/>
+            </a:solidFill>
+          </a:ln>
+        </p:spPr>
+        <p:style>
+          <a:lnRef idx="2">
+            <a:schemeClr val="accent1">
+              <a:shade val="50000"/>
+            </a:schemeClr>
+          </a:lnRef>
+          <a:fillRef idx="1">
+            <a:schemeClr val="accent1"/>
+          </a:fillRef>
+          <a:effectRef idx="0">
+            <a:schemeClr val="accent1"/>
+          </a:effectRef>
+          <a:fontRef idx="minor">
+            <a:schemeClr val="lt1"/>
+          </a:fontRef>
+        </p:style>
+        <p:txBody>
+          <a:bodyPr rtlCol="0" anchor="ctr"/>
+          <a:lstStyle/>
+          <a:p>
+            <a:pPr lvl="0" algn="ctr"/>
+            <a:r>
+              <a:rPr lang="en-US" altLang="ko-KR" sz="1400" b="1" dirty="0">
+                <a:solidFill>
+                  <a:prstClr val="black"/>
+                </a:solidFill>
+              </a:rPr>
+              <a:t>Session #1</a:t>
+            </a:r>
+          </a:p>
+        </p:txBody>
+      </p:sp>
+      <p:sp>
+        <p:nvSpPr>
+          <p:cNvPr id="39" name="화살표: 아래쪽 38">
+            <a:extLst>
+              <a:ext uri="{FF2B5EF4-FFF2-40B4-BE49-F238E27FC236}">
+                <a16:creationId xmlns:a16="http://schemas.microsoft.com/office/drawing/2014/main" id="{AAEA623B-1CC7-46EC-B199-82AA22AA22E6}"/>
+              </a:ext>
+            </a:extLst>
+          </p:cNvPr>
+          <p:cNvSpPr/>
+          <p:nvPr/>
+        </p:nvSpPr>
+        <p:spPr>
+          <a:xfrm rot="5400000">
+            <a:off x="6333227" y="1198717"/>
+            <a:ext cx="504056" cy="781859"/>
+          </a:xfrm>
+          <a:prstGeom prst="downArrow">
+            <a:avLst/>
+          </a:prstGeom>
+        </p:spPr>
+        <p:style>
+          <a:lnRef idx="2">
+            <a:schemeClr val="accent1">
+              <a:shade val="50000"/>
+            </a:schemeClr>
+          </a:lnRef>
+          <a:fillRef idx="1">
+            <a:schemeClr val="accent1"/>
+          </a:fillRef>
+          <a:effectRef idx="0">
+            <a:schemeClr val="accent1"/>
+          </a:effectRef>
+          <a:fontRef idx="minor">
+            <a:schemeClr val="lt1"/>
+          </a:fontRef>
+        </p:style>
+        <p:txBody>
+          <a:bodyPr rtlCol="0" anchor="ctr"/>
+          <a:lstStyle/>
+          <a:p>
+            <a:pPr algn="ctr"/>
+            <a:endParaRPr lang="ko-KR" altLang="en-US"/>
+          </a:p>
+        </p:txBody>
+      </p:sp>
+      <p:sp>
+        <p:nvSpPr>
+          <p:cNvPr id="40" name="화살표: 아래쪽 39">
+            <a:extLst>
+              <a:ext uri="{FF2B5EF4-FFF2-40B4-BE49-F238E27FC236}">
+                <a16:creationId xmlns:a16="http://schemas.microsoft.com/office/drawing/2014/main" id="{A906F76A-E547-49CC-9635-BA51D93E1902}"/>
+              </a:ext>
+            </a:extLst>
+          </p:cNvPr>
+          <p:cNvSpPr/>
+          <p:nvPr/>
+        </p:nvSpPr>
+        <p:spPr>
+          <a:xfrm rot="5400000">
+            <a:off x="6370372" y="1996409"/>
+            <a:ext cx="504056" cy="781859"/>
+          </a:xfrm>
+          <a:prstGeom prst="downArrow">
+            <a:avLst/>
+          </a:prstGeom>
+        </p:spPr>
+        <p:style>
+          <a:lnRef idx="2">
+            <a:schemeClr val="accent1">
+              <a:shade val="50000"/>
+            </a:schemeClr>
+          </a:lnRef>
+          <a:fillRef idx="1">
+            <a:schemeClr val="accent1"/>
+          </a:fillRef>
+          <a:effectRef idx="0">
+            <a:schemeClr val="accent1"/>
+          </a:effectRef>
+          <a:fontRef idx="minor">
+            <a:schemeClr val="lt1"/>
+          </a:fontRef>
+        </p:style>
+        <p:txBody>
+          <a:bodyPr rtlCol="0" anchor="ctr"/>
+          <a:lstStyle/>
+          <a:p>
+            <a:pPr algn="ctr"/>
+            <a:endParaRPr lang="ko-KR" altLang="en-US"/>
+          </a:p>
+        </p:txBody>
+      </p:sp>
+      <p:sp>
+        <p:nvSpPr>
+          <p:cNvPr id="41" name="직사각형 40">
+            <a:extLst>
+              <a:ext uri="{FF2B5EF4-FFF2-40B4-BE49-F238E27FC236}">
+                <a16:creationId xmlns:a16="http://schemas.microsoft.com/office/drawing/2014/main" id="{1D3B012B-7176-44CA-B4A8-9B1D52D6C2B4}"/>
+              </a:ext>
+            </a:extLst>
+          </p:cNvPr>
+          <p:cNvSpPr/>
+          <p:nvPr/>
+        </p:nvSpPr>
+        <p:spPr>
+          <a:xfrm>
+            <a:off x="978121" y="1673985"/>
+            <a:ext cx="1791816" cy="460169"/>
+          </a:xfrm>
+          <a:prstGeom prst="rect">
+            <a:avLst/>
+          </a:prstGeom>
+          <a:noFill/>
+          <a:ln>
+            <a:noFill/>
+          </a:ln>
+        </p:spPr>
+        <p:style>
+          <a:lnRef idx="2">
+            <a:schemeClr val="accent1">
+              <a:shade val="50000"/>
+            </a:schemeClr>
+          </a:lnRef>
+          <a:fillRef idx="1">
+            <a:schemeClr val="accent1"/>
+          </a:fillRef>
+          <a:effectRef idx="0">
+            <a:schemeClr val="accent1"/>
+          </a:effectRef>
+          <a:fontRef idx="minor">
+            <a:schemeClr val="lt1"/>
+          </a:fontRef>
+        </p:style>
+        <p:txBody>
+          <a:bodyPr rtlCol="0" anchor="ctr"/>
+          <a:lstStyle/>
+          <a:p>
+            <a:pPr algn="ctr"/>
+            <a:r>
+              <a:rPr lang="en-US" altLang="ko-KR" sz="1400" b="1" dirty="0">
+                <a:solidFill>
+                  <a:schemeClr val="tx1"/>
+                </a:solidFill>
+              </a:rPr>
+              <a:t>Session #0</a:t>
+            </a:r>
+          </a:p>
+        </p:txBody>
+      </p:sp>
+      <p:sp>
+        <p:nvSpPr>
+          <p:cNvPr id="42" name="직사각형 41">
+            <a:extLst>
+              <a:ext uri="{FF2B5EF4-FFF2-40B4-BE49-F238E27FC236}">
+                <a16:creationId xmlns:a16="http://schemas.microsoft.com/office/drawing/2014/main" id="{3424319B-1B8E-4D11-B178-A09106F1C7E4}"/>
+              </a:ext>
+            </a:extLst>
+          </p:cNvPr>
+          <p:cNvSpPr/>
+          <p:nvPr/>
+        </p:nvSpPr>
+        <p:spPr>
+          <a:xfrm>
+            <a:off x="1527113" y="4170342"/>
+            <a:ext cx="1791816" cy="460169"/>
+          </a:xfrm>
+          <a:prstGeom prst="rect">
+            <a:avLst/>
+          </a:prstGeom>
+          <a:noFill/>
+          <a:ln>
+            <a:noFill/>
+          </a:ln>
+        </p:spPr>
+        <p:style>
+          <a:lnRef idx="2">
+            <a:schemeClr val="accent1">
+              <a:shade val="50000"/>
+            </a:schemeClr>
+          </a:lnRef>
+          <a:fillRef idx="1">
+            <a:schemeClr val="accent1"/>
+          </a:fillRef>
+          <a:effectRef idx="0">
+            <a:schemeClr val="accent1"/>
+          </a:effectRef>
+          <a:fontRef idx="minor">
+            <a:schemeClr val="lt1"/>
+          </a:fontRef>
+        </p:style>
+        <p:txBody>
+          <a:bodyPr rtlCol="0" anchor="ctr"/>
+          <a:lstStyle/>
+          <a:p>
+            <a:pPr algn="ctr"/>
+            <a:r>
+              <a:rPr lang="en-US" altLang="ko-KR" sz="1400" b="1" dirty="0">
+                <a:solidFill>
+                  <a:schemeClr val="tx1"/>
+                </a:solidFill>
+              </a:rPr>
+              <a:t>Session #1</a:t>
+            </a:r>
+          </a:p>
+        </p:txBody>
+      </p:sp>
+      <p:sp>
+        <p:nvSpPr>
+          <p:cNvPr id="43" name="직사각형 42">
+            <a:extLst>
+              <a:ext uri="{FF2B5EF4-FFF2-40B4-BE49-F238E27FC236}">
+                <a16:creationId xmlns:a16="http://schemas.microsoft.com/office/drawing/2014/main" id="{658B4EAD-5CB7-49FB-A664-E6283C68DE46}"/>
+              </a:ext>
+            </a:extLst>
+          </p:cNvPr>
+          <p:cNvSpPr/>
+          <p:nvPr/>
+        </p:nvSpPr>
+        <p:spPr>
+          <a:xfrm>
+            <a:off x="4002968" y="4941312"/>
+            <a:ext cx="1791816" cy="460169"/>
+          </a:xfrm>
+          <a:prstGeom prst="rect">
+            <a:avLst/>
+          </a:prstGeom>
+          <a:noFill/>
+          <a:ln>
+            <a:noFill/>
+          </a:ln>
+        </p:spPr>
+        <p:style>
+          <a:lnRef idx="2">
+            <a:schemeClr val="accent1">
+              <a:shade val="50000"/>
+            </a:schemeClr>
+          </a:lnRef>
+          <a:fillRef idx="1">
+            <a:schemeClr val="accent1"/>
+          </a:fillRef>
+          <a:effectRef idx="0">
+            <a:schemeClr val="accent1"/>
+          </a:effectRef>
+          <a:fontRef idx="minor">
+            <a:schemeClr val="lt1"/>
+          </a:fontRef>
+        </p:style>
+        <p:txBody>
+          <a:bodyPr rtlCol="0" anchor="ctr"/>
+          <a:lstStyle/>
+          <a:p>
+            <a:pPr algn="ctr"/>
+            <a:r>
+              <a:rPr lang="en-US" altLang="ko-KR" sz="1400" b="1" dirty="0">
+                <a:solidFill>
+                  <a:schemeClr val="tx1"/>
+                </a:solidFill>
+              </a:rPr>
+              <a:t>Session #2</a:t>
+            </a:r>
+          </a:p>
+        </p:txBody>
+      </p:sp>
+      <p:sp>
+        <p:nvSpPr>
+          <p:cNvPr id="44" name="직사각형 43">
+            <a:extLst>
+              <a:ext uri="{FF2B5EF4-FFF2-40B4-BE49-F238E27FC236}">
+                <a16:creationId xmlns:a16="http://schemas.microsoft.com/office/drawing/2014/main" id="{D5BDB6D1-023A-4428-926E-CF01D387ED9E}"/>
+              </a:ext>
+            </a:extLst>
+          </p:cNvPr>
+          <p:cNvSpPr/>
+          <p:nvPr/>
+        </p:nvSpPr>
+        <p:spPr>
+          <a:xfrm>
+            <a:off x="6909011" y="4985646"/>
+            <a:ext cx="1791816" cy="460169"/>
+          </a:xfrm>
+          <a:prstGeom prst="rect">
+            <a:avLst/>
+          </a:prstGeom>
+          <a:noFill/>
+          <a:ln>
+            <a:noFill/>
+          </a:ln>
+        </p:spPr>
+        <p:style>
+          <a:lnRef idx="2">
+            <a:schemeClr val="accent1">
+              <a:shade val="50000"/>
+            </a:schemeClr>
+          </a:lnRef>
+          <a:fillRef idx="1">
+            <a:schemeClr val="accent1"/>
+          </a:fillRef>
+          <a:effectRef idx="0">
+            <a:schemeClr val="accent1"/>
+          </a:effectRef>
+          <a:fontRef idx="minor">
+            <a:schemeClr val="lt1"/>
+          </a:fontRef>
+        </p:style>
+        <p:txBody>
+          <a:bodyPr rtlCol="0" anchor="ctr"/>
+          <a:lstStyle/>
+          <a:p>
+            <a:pPr algn="ctr"/>
+            <a:r>
+              <a:rPr lang="en-US" altLang="ko-KR" sz="1400" b="1" dirty="0">
+                <a:solidFill>
+                  <a:schemeClr val="tx1"/>
+                </a:solidFill>
+              </a:rPr>
+              <a:t>Session #1</a:t>
+            </a:r>
+          </a:p>
+        </p:txBody>
+      </p:sp>
+      <p:sp>
+        <p:nvSpPr>
+          <p:cNvPr id="45" name="사각형: 둥근 모서리 44">
+            <a:extLst>
+              <a:ext uri="{FF2B5EF4-FFF2-40B4-BE49-F238E27FC236}">
+                <a16:creationId xmlns:a16="http://schemas.microsoft.com/office/drawing/2014/main" id="{EB3D1B8D-0404-4875-88C4-F34E81C5BD52}"/>
+              </a:ext>
+            </a:extLst>
+          </p:cNvPr>
+          <p:cNvSpPr/>
+          <p:nvPr/>
+        </p:nvSpPr>
+        <p:spPr>
+          <a:xfrm>
+            <a:off x="1165679" y="815650"/>
+            <a:ext cx="1343936" cy="720080"/>
+          </a:xfrm>
+          <a:prstGeom prst="roundRect">
+            <a:avLst/>
+          </a:prstGeom>
+          <a:solidFill>
+            <a:schemeClr val="accent2">
+              <a:lumMod val="40000"/>
+              <a:lumOff val="60000"/>
+            </a:schemeClr>
+          </a:solidFill>
+          <a:ln>
+            <a:solidFill>
+              <a:schemeClr val="tx1"/>
+            </a:solidFill>
+          </a:ln>
+        </p:spPr>
+        <p:style>
+          <a:lnRef idx="2">
+            <a:schemeClr val="accent1">
+              <a:shade val="50000"/>
+            </a:schemeClr>
+          </a:lnRef>
+          <a:fillRef idx="1">
+            <a:schemeClr val="accent1"/>
+          </a:fillRef>
+          <a:effectRef idx="0">
+            <a:schemeClr val="accent1"/>
+          </a:effectRef>
+          <a:fontRef idx="minor">
+            <a:schemeClr val="lt1"/>
+          </a:fontRef>
+        </p:style>
+        <p:txBody>
+          <a:bodyPr rtlCol="0" anchor="ctr"/>
+          <a:lstStyle/>
+          <a:p>
+            <a:pPr lvl="0" algn="ctr"/>
+            <a:r>
+              <a:rPr lang="en-US" altLang="ko-KR" sz="1400" b="1" dirty="0">
+                <a:solidFill>
+                  <a:prstClr val="black"/>
+                </a:solidFill>
+              </a:rPr>
+              <a:t>Application</a:t>
+            </a:r>
+          </a:p>
+        </p:txBody>
+      </p:sp>
+      <p:sp>
+        <p:nvSpPr>
+          <p:cNvPr id="46" name="사각형: 둥근 모서리 45">
+            <a:extLst>
+              <a:ext uri="{FF2B5EF4-FFF2-40B4-BE49-F238E27FC236}">
+                <a16:creationId xmlns:a16="http://schemas.microsoft.com/office/drawing/2014/main" id="{523EF3F5-EF7E-44D3-BA98-03838018BE40}"/>
+              </a:ext>
+            </a:extLst>
+          </p:cNvPr>
+          <p:cNvSpPr/>
+          <p:nvPr/>
+        </p:nvSpPr>
+        <p:spPr>
+          <a:xfrm>
+            <a:off x="1766014" y="3281855"/>
+            <a:ext cx="1343936" cy="720080"/>
+          </a:xfrm>
+          <a:prstGeom prst="roundRect">
+            <a:avLst/>
+          </a:prstGeom>
+          <a:solidFill>
+            <a:schemeClr val="accent3">
+              <a:lumMod val="60000"/>
+              <a:lumOff val="40000"/>
+            </a:schemeClr>
+          </a:solidFill>
+          <a:ln>
+            <a:solidFill>
+              <a:schemeClr val="tx1"/>
+            </a:solidFill>
+          </a:ln>
+        </p:spPr>
+        <p:style>
+          <a:lnRef idx="2">
+            <a:schemeClr val="accent1">
+              <a:shade val="50000"/>
+            </a:schemeClr>
+          </a:lnRef>
+          <a:fillRef idx="1">
+            <a:schemeClr val="accent1"/>
+          </a:fillRef>
+          <a:effectRef idx="0">
+            <a:schemeClr val="accent1"/>
+          </a:effectRef>
+          <a:fontRef idx="minor">
+            <a:schemeClr val="lt1"/>
+          </a:fontRef>
+        </p:style>
+        <p:txBody>
+          <a:bodyPr rtlCol="0" anchor="ctr"/>
+          <a:lstStyle/>
+          <a:p>
+            <a:pPr lvl="0" algn="ctr"/>
+            <a:r>
+              <a:rPr lang="en-US" altLang="ko-KR" sz="1400" b="1" dirty="0">
+                <a:solidFill>
+                  <a:prstClr val="black"/>
+                </a:solidFill>
+              </a:rPr>
+              <a:t>Application</a:t>
+            </a:r>
+          </a:p>
+        </p:txBody>
+      </p:sp>
+      <p:sp>
+        <p:nvSpPr>
+          <p:cNvPr id="47" name="사각형: 둥근 모서리 46">
+            <a:extLst>
+              <a:ext uri="{FF2B5EF4-FFF2-40B4-BE49-F238E27FC236}">
+                <a16:creationId xmlns:a16="http://schemas.microsoft.com/office/drawing/2014/main" id="{6035B36D-3E85-4D8D-A85C-FB715A1E6CBE}"/>
+              </a:ext>
+            </a:extLst>
+          </p:cNvPr>
+          <p:cNvSpPr/>
+          <p:nvPr/>
+        </p:nvSpPr>
+        <p:spPr>
+          <a:xfrm>
+            <a:off x="7075109" y="4036710"/>
+            <a:ext cx="1343936" cy="720080"/>
+          </a:xfrm>
+          <a:prstGeom prst="roundRect">
+            <a:avLst/>
+          </a:prstGeom>
+          <a:solidFill>
+            <a:schemeClr val="accent3">
+              <a:lumMod val="60000"/>
+              <a:lumOff val="40000"/>
+            </a:schemeClr>
+          </a:solidFill>
+          <a:ln>
+            <a:solidFill>
+              <a:schemeClr val="tx1"/>
+            </a:solidFill>
+          </a:ln>
+        </p:spPr>
+        <p:style>
+          <a:lnRef idx="2">
+            <a:schemeClr val="accent1">
+              <a:shade val="50000"/>
+            </a:schemeClr>
+          </a:lnRef>
+          <a:fillRef idx="1">
+            <a:schemeClr val="accent1"/>
+          </a:fillRef>
+          <a:effectRef idx="0">
+            <a:schemeClr val="accent1"/>
+          </a:effectRef>
+          <a:fontRef idx="minor">
+            <a:schemeClr val="lt1"/>
+          </a:fontRef>
+        </p:style>
+        <p:txBody>
+          <a:bodyPr rtlCol="0" anchor="ctr"/>
+          <a:lstStyle/>
+          <a:p>
+            <a:pPr lvl="0" algn="ctr"/>
+            <a:r>
+              <a:rPr lang="en-US" altLang="ko-KR" sz="1400" b="1" dirty="0">
+                <a:solidFill>
+                  <a:prstClr val="black"/>
+                </a:solidFill>
+              </a:rPr>
+              <a:t>Application</a:t>
+            </a:r>
+          </a:p>
+        </p:txBody>
+      </p:sp>
+      <p:sp>
+        <p:nvSpPr>
+          <p:cNvPr id="48" name="사각형: 둥근 모서리 47">
+            <a:extLst>
+              <a:ext uri="{FF2B5EF4-FFF2-40B4-BE49-F238E27FC236}">
+                <a16:creationId xmlns:a16="http://schemas.microsoft.com/office/drawing/2014/main" id="{12FEEC31-2B42-412F-86F2-53DC1AEA1583}"/>
+              </a:ext>
+            </a:extLst>
+          </p:cNvPr>
+          <p:cNvSpPr/>
+          <p:nvPr/>
+        </p:nvSpPr>
+        <p:spPr>
+          <a:xfrm>
+            <a:off x="4152863" y="4004724"/>
+            <a:ext cx="1343936" cy="720080"/>
+          </a:xfrm>
+          <a:prstGeom prst="roundRect">
+            <a:avLst/>
+          </a:prstGeom>
+          <a:solidFill>
+            <a:schemeClr val="accent1">
+              <a:lumMod val="40000"/>
+              <a:lumOff val="60000"/>
+            </a:schemeClr>
+          </a:solidFill>
+          <a:ln>
+            <a:solidFill>
+              <a:schemeClr val="tx1"/>
+            </a:solidFill>
+          </a:ln>
+        </p:spPr>
+        <p:style>
+          <a:lnRef idx="2">
+            <a:schemeClr val="accent1">
+              <a:shade val="50000"/>
+            </a:schemeClr>
+          </a:lnRef>
+          <a:fillRef idx="1">
+            <a:schemeClr val="accent1"/>
+          </a:fillRef>
+          <a:effectRef idx="0">
+            <a:schemeClr val="accent1"/>
+          </a:effectRef>
+          <a:fontRef idx="minor">
+            <a:schemeClr val="lt1"/>
+          </a:fontRef>
+        </p:style>
+        <p:txBody>
+          <a:bodyPr rtlCol="0" anchor="ctr"/>
+          <a:lstStyle/>
+          <a:p>
+            <a:pPr lvl="0" algn="ctr"/>
+            <a:r>
+              <a:rPr lang="en-US" altLang="ko-KR" sz="1400" b="1" dirty="0">
+                <a:solidFill>
+                  <a:prstClr val="black"/>
+                </a:solidFill>
+              </a:rPr>
+              <a:t>Application</a:t>
+            </a:r>
+          </a:p>
+        </p:txBody>
+      </p:sp>
+    </p:spTree>
+    <p:extLst>
+      <p:ext uri="{BB962C8B-B14F-4D97-AF65-F5344CB8AC3E}">
+        <p14:creationId xmlns:p14="http://schemas.microsoft.com/office/powerpoint/2010/main" val="319119191"/>
+      </p:ext>
+    </p:extLst>
+  </p:cSld>
+  <p:clrMapOvr>
+    <a:masterClrMapping/>
+  </p:clrMapOvr>
+  <p:transition spd="slow" advClick="0">
+    <p:push/>
+  </p:transition>
+</p:sld>
+</file>
+
+<file path=ppt/slides/slide8.xml><?xml version="1.0" encoding="utf-8"?>
+<p:sld xmlns:a="http://schemas.openxmlformats.org/drawingml/2006/main" xmlns:r="http://schemas.openxmlformats.org/officeDocument/2006/relationships" xmlns:p="http://schemas.openxmlformats.org/presentationml/2006/main">
+  <p:cSld>
+    <p:spTree>
+      <p:nvGrpSpPr>
+        <p:cNvPr id="1" name=""/>
+        <p:cNvGrpSpPr/>
+        <p:nvPr/>
+      </p:nvGrpSpPr>
+      <p:grpSpPr>
+        <a:xfrm>
+          <a:off x="0" y="0"/>
+          <a:ext cx="0" cy="0"/>
+          <a:chOff x="0" y="0"/>
+          <a:chExt cx="0" cy="0"/>
+        </a:xfrm>
+      </p:grpSpPr>
+    </p:spTree>
+    <p:extLst>
+      <p:ext uri="{BB962C8B-B14F-4D97-AF65-F5344CB8AC3E}">
+        <p14:creationId xmlns:p14="http://schemas.microsoft.com/office/powerpoint/2010/main" val="246227917"/>
+      </p:ext>
+    </p:extLst>
+  </p:cSld>
+  <p:clrMapOvr>
+    <a:masterClrMapping/>
+  </p:clrMapOvr>
+  <p:transition spd="slow" advClick="0">
+    <p:push/>
+  </p:transition>
+</p:sld>
+</file>
+
+<file path=ppt/slides/slide9.xml><?xml version="1.0" encoding="utf-8"?>
+<p:sld xmlns:a="http://schemas.openxmlformats.org/drawingml/2006/main" xmlns:r="http://schemas.openxmlformats.org/officeDocument/2006/relationships" xmlns:p="http://schemas.openxmlformats.org/presentationml/2006/main">
+  <p:cSld>
+    <p:spTree>
+      <p:nvGrpSpPr>
+        <p:cNvPr id="1" name=""/>
+        <p:cNvGrpSpPr/>
+        <p:nvPr/>
+      </p:nvGrpSpPr>
+      <p:grpSpPr>
+        <a:xfrm>
+          <a:off x="0" y="0"/>
+          <a:ext cx="0" cy="0"/>
+          <a:chOff x="0" y="0"/>
+          <a:chExt cx="0" cy="0"/>
+        </a:xfrm>
+      </p:grpSpPr>
+    </p:spTree>
+    <p:extLst>
+      <p:ext uri="{BB962C8B-B14F-4D97-AF65-F5344CB8AC3E}">
+        <p14:creationId xmlns:p14="http://schemas.microsoft.com/office/powerpoint/2010/main" val="247212106"/>
       </p:ext>
     </p:extLst>
   </p:cSld>
